--- a/ISE23_AI-Driven Crop Disease Prediction and Management System_Review2.pptx
+++ b/ISE23_AI-Driven Crop Disease Prediction and Management System_Review2.pptx
@@ -5,7 +5,7 @@
     <p:sldMasterId id="2147483659" r:id="rId1"/>
   </p:sldMasterIdLst>
   <p:notesMasterIdLst>
-    <p:notesMasterId r:id="rId19"/>
+    <p:notesMasterId r:id="rId18"/>
   </p:notesMasterIdLst>
   <p:sldIdLst>
     <p:sldId id="256" r:id="rId2"/>
@@ -21,10 +21,9 @@
     <p:sldId id="280" r:id="rId12"/>
     <p:sldId id="281" r:id="rId13"/>
     <p:sldId id="270" r:id="rId14"/>
-    <p:sldId id="282" r:id="rId15"/>
-    <p:sldId id="277" r:id="rId16"/>
-    <p:sldId id="265" r:id="rId17"/>
-    <p:sldId id="266" r:id="rId18"/>
+    <p:sldId id="277" r:id="rId15"/>
+    <p:sldId id="265" r:id="rId16"/>
+    <p:sldId id="266" r:id="rId17"/>
   </p:sldIdLst>
   <p:sldSz cx="12192000" cy="6858000"/>
   <p:notesSz cx="6858000" cy="9144000"/>
@@ -259,7 +258,7 @@
   </p:defaultTextStyle>
   <p:extLst>
     <p:ext uri="{EFAFB233-063F-42B5-8137-9DF3F51BA10A}">
-      <p15:sldGuideLst xmlns:p15="http://schemas.microsoft.com/office/powerpoint/2012/main">
+      <p15:sldGuideLst xmlns="" xmlns:p15="http://schemas.microsoft.com/office/powerpoint/2012/main">
         <p15:guide id="1" orient="horz" pos="2160">
           <p15:clr>
             <a:srgbClr val="A4A3A4"/>
@@ -12088,7 +12087,7 @@
           <p:nvPr>
             <p:extLst>
               <p:ext uri="{D42A27DB-BD31-4B8C-83A1-F6EECF244321}">
-                <p14:modId xmlns:p14="http://schemas.microsoft.com/office/powerpoint/2010/main" val="1800222783"/>
+                <p14:modId xmlns:p14="http://schemas.microsoft.com/office/powerpoint/2010/main" val="2461410393"/>
               </p:ext>
             </p:extLst>
           </p:nvPr>
@@ -12108,14 +12107,14 @@
                 <a:gridCol w="1998671">
                   <a:extLst>
                     <a:ext uri="{9D8B030D-6E8A-4147-A177-3AD203B41FA5}">
-                      <a16:colId xmlns:a16="http://schemas.microsoft.com/office/drawing/2014/main" val="20000"/>
+                      <a16:colId xmlns="" xmlns:a16="http://schemas.microsoft.com/office/drawing/2014/main" val="20000"/>
                     </a:ext>
                   </a:extLst>
                 </a:gridCol>
                 <a:gridCol w="3195648">
                   <a:extLst>
                     <a:ext uri="{9D8B030D-6E8A-4147-A177-3AD203B41FA5}">
-                      <a16:colId xmlns:a16="http://schemas.microsoft.com/office/drawing/2014/main" val="20001"/>
+                      <a16:colId xmlns="" xmlns:a16="http://schemas.microsoft.com/office/drawing/2014/main" val="20001"/>
                     </a:ext>
                   </a:extLst>
                 </a:gridCol>
@@ -12275,7 +12274,7 @@
                 </a:tc>
                 <a:extLst>
                   <a:ext uri="{0D108BD9-81ED-4DB2-BD59-A6C34878D82A}">
-                    <a16:rowId xmlns:a16="http://schemas.microsoft.com/office/drawing/2014/main" val="10000"/>
+                    <a16:rowId xmlns="" xmlns:a16="http://schemas.microsoft.com/office/drawing/2014/main" val="10000"/>
                   </a:ext>
                 </a:extLst>
               </a:tr>
@@ -12438,7 +12437,7 @@
                 </a:tc>
                 <a:extLst>
                   <a:ext uri="{0D108BD9-81ED-4DB2-BD59-A6C34878D82A}">
-                    <a16:rowId xmlns:a16="http://schemas.microsoft.com/office/drawing/2014/main" val="10001"/>
+                    <a16:rowId xmlns="" xmlns:a16="http://schemas.microsoft.com/office/drawing/2014/main" val="10001"/>
                   </a:ext>
                 </a:extLst>
               </a:tr>
@@ -12462,7 +12461,7 @@
                           <a:latin typeface="Cambria" panose="02040503050406030204" pitchFamily="18" charset="0"/>
                           <a:ea typeface="Cambria" panose="02040503050406030204" pitchFamily="18" charset="0"/>
                         </a:rPr>
-                        <a:t>20221ISE0082</a:t>
+                        <a:t>20221ISE0085</a:t>
                       </a:r>
                       <a:endParaRPr sz="1700" b="1" u="none" strike="noStrike" cap="none" dirty="0">
                         <a:latin typeface="Cambria" panose="02040503050406030204" pitchFamily="18" charset="0"/>
@@ -12593,7 +12592,7 @@
                 </a:tc>
                 <a:extLst>
                   <a:ext uri="{0D108BD9-81ED-4DB2-BD59-A6C34878D82A}">
-                    <a16:rowId xmlns:a16="http://schemas.microsoft.com/office/drawing/2014/main" val="10002"/>
+                    <a16:rowId xmlns="" xmlns:a16="http://schemas.microsoft.com/office/drawing/2014/main" val="10002"/>
                   </a:ext>
                 </a:extLst>
               </a:tr>
@@ -12748,7 +12747,7 @@
                 </a:tc>
                 <a:extLst>
                   <a:ext uri="{0D108BD9-81ED-4DB2-BD59-A6C34878D82A}">
-                    <a16:rowId xmlns:a16="http://schemas.microsoft.com/office/drawing/2014/main" val="10003"/>
+                    <a16:rowId xmlns="" xmlns:a16="http://schemas.microsoft.com/office/drawing/2014/main" val="10003"/>
                   </a:ext>
                 </a:extLst>
               </a:tr>
@@ -12883,7 +12882,7 @@
                 </a:tc>
                 <a:extLst>
                   <a:ext uri="{0D108BD9-81ED-4DB2-BD59-A6C34878D82A}">
-                    <a16:rowId xmlns:a16="http://schemas.microsoft.com/office/drawing/2014/main" val="10004"/>
+                    <a16:rowId xmlns="" xmlns:a16="http://schemas.microsoft.com/office/drawing/2014/main" val="10004"/>
                   </a:ext>
                 </a:extLst>
               </a:tr>
@@ -13018,7 +13017,7 @@
                 </a:tc>
                 <a:extLst>
                   <a:ext uri="{0D108BD9-81ED-4DB2-BD59-A6C34878D82A}">
-                    <a16:rowId xmlns:a16="http://schemas.microsoft.com/office/drawing/2014/main" val="10005"/>
+                    <a16:rowId xmlns="" xmlns:a16="http://schemas.microsoft.com/office/drawing/2014/main" val="10005"/>
                   </a:ext>
                 </a:extLst>
               </a:tr>
@@ -13110,7 +13109,7 @@
               <a:buNone/>
             </a:pPr>
             <a:r>
-              <a:rPr lang="en-GB" sz="1800" b="1" i="0" u="none" strike="noStrike" cap="none" dirty="0">
+              <a:rPr lang="en-GB" sz="1800" b="1" i="0" u="none" strike="noStrike" cap="none" dirty="0" smtClean="0">
                 <a:solidFill>
                   <a:srgbClr val="17365D"/>
                 </a:solidFill>
@@ -13351,6 +13350,13 @@
   <p:clrMapOvr>
     <a:masterClrMapping/>
   </p:clrMapOvr>
+  <p:timing>
+    <p:tnLst>
+      <p:par>
+        <p:cTn id="1" dur="indefinite" restart="never" nodeType="tmRoot"/>
+      </p:par>
+    </p:tnLst>
+  </p:timing>
 </p:sld>
 </file>
 
@@ -13410,8 +13416,19 @@
                 <a:latin typeface="Cambria" panose="02040503050406030204" pitchFamily="18" charset="0"/>
                 <a:ea typeface="Cambria" panose="02040503050406030204" pitchFamily="18" charset="0"/>
               </a:rPr>
-              <a:t>Block Diagram:</a:t>
-            </a:r>
+              <a:t>Block </a:t>
+            </a:r>
+            <a:r>
+              <a:rPr lang="en-US" dirty="0" smtClean="0">
+                <a:latin typeface="Cambria" panose="02040503050406030204" pitchFamily="18" charset="0"/>
+                <a:ea typeface="Cambria" panose="02040503050406030204" pitchFamily="18" charset="0"/>
+              </a:rPr>
+              <a:t>Diagram:</a:t>
+            </a:r>
+            <a:endParaRPr lang="en-US" dirty="0">
+              <a:latin typeface="Cambria" panose="02040503050406030204" pitchFamily="18" charset="0"/>
+              <a:ea typeface="Cambria" panose="02040503050406030204" pitchFamily="18" charset="0"/>
+            </a:endParaRPr>
           </a:p>
         </p:txBody>
       </p:sp>
@@ -14236,7 +14253,7 @@
           <a:p>
             <a:pPr algn="ctr"/>
             <a:r>
-              <a:rPr lang="en-US" sz="1600" dirty="0">
+              <a:rPr lang="en-US" sz="1600" dirty="0" smtClean="0">
                 <a:solidFill>
                   <a:schemeClr val="tx1"/>
                 </a:solidFill>
@@ -14247,7 +14264,7 @@
           <a:p>
             <a:pPr algn="ctr"/>
             <a:r>
-              <a:rPr lang="en-US" sz="1600" dirty="0">
+              <a:rPr lang="en-US" sz="1600" dirty="0" smtClean="0">
                 <a:solidFill>
                   <a:schemeClr val="tx1"/>
                 </a:solidFill>
@@ -14258,7 +14275,7 @@
           <a:p>
             <a:pPr algn="ctr"/>
             <a:r>
-              <a:rPr lang="en-US" sz="1600" dirty="0">
+              <a:rPr lang="en-US" sz="1600" dirty="0" smtClean="0">
                 <a:solidFill>
                   <a:schemeClr val="tx1"/>
                 </a:solidFill>
@@ -14316,7 +14333,7 @@
           <a:p>
             <a:pPr algn="ctr"/>
             <a:r>
-              <a:rPr lang="en-US" sz="1600" dirty="0">
+              <a:rPr lang="en-US" sz="1600" dirty="0" smtClean="0">
                 <a:solidFill>
                   <a:schemeClr val="tx1"/>
                 </a:solidFill>
@@ -14327,7 +14344,7 @@
           <a:p>
             <a:pPr algn="ctr"/>
             <a:r>
-              <a:rPr lang="en-US" sz="1600" dirty="0">
+              <a:rPr lang="en-US" sz="1600" dirty="0" smtClean="0">
                 <a:solidFill>
                   <a:schemeClr val="tx1"/>
                 </a:solidFill>
@@ -14338,7 +14355,7 @@
           <a:p>
             <a:pPr algn="ctr"/>
             <a:r>
-              <a:rPr lang="en-US" sz="1600" dirty="0">
+              <a:rPr lang="en-US" sz="1600" dirty="0" smtClean="0">
                 <a:solidFill>
                   <a:schemeClr val="tx1"/>
                 </a:solidFill>
@@ -14396,7 +14413,7 @@
           <a:p>
             <a:pPr algn="ctr"/>
             <a:r>
-              <a:rPr lang="en-US" sz="1600" dirty="0">
+              <a:rPr lang="en-US" sz="1600" dirty="0" smtClean="0">
                 <a:solidFill>
                   <a:schemeClr val="tx1"/>
                 </a:solidFill>
@@ -14407,7 +14424,7 @@
           <a:p>
             <a:pPr algn="ctr"/>
             <a:r>
-              <a:rPr lang="en-US" sz="1600" dirty="0">
+              <a:rPr lang="en-US" sz="1600" dirty="0" smtClean="0">
                 <a:solidFill>
                   <a:schemeClr val="tx1"/>
                 </a:solidFill>
@@ -14418,7 +14435,7 @@
           <a:p>
             <a:pPr algn="ctr"/>
             <a:r>
-              <a:rPr lang="en-US" sz="1600" dirty="0">
+              <a:rPr lang="en-US" sz="1600" dirty="0" smtClean="0">
                 <a:solidFill>
                   <a:schemeClr val="tx1"/>
                 </a:solidFill>
@@ -14429,7 +14446,7 @@
           <a:p>
             <a:pPr algn="ctr"/>
             <a:r>
-              <a:rPr lang="en-US" sz="1600" dirty="0">
+              <a:rPr lang="en-US" sz="1600" dirty="0" smtClean="0">
                 <a:solidFill>
                   <a:schemeClr val="tx1"/>
                 </a:solidFill>
@@ -14487,7 +14504,7 @@
           <a:p>
             <a:pPr algn="ctr"/>
             <a:r>
-              <a:rPr lang="en-US" sz="1600" dirty="0">
+              <a:rPr lang="en-US" sz="1600" dirty="0" smtClean="0">
                 <a:solidFill>
                   <a:schemeClr val="tx1"/>
                 </a:solidFill>
@@ -14498,7 +14515,7 @@
           <a:p>
             <a:pPr algn="ctr"/>
             <a:r>
-              <a:rPr lang="en-US" sz="1600" dirty="0">
+              <a:rPr lang="en-US" sz="1600" dirty="0" smtClean="0">
                 <a:solidFill>
                   <a:schemeClr val="tx1"/>
                 </a:solidFill>
@@ -14509,7 +14526,7 @@
           <a:p>
             <a:pPr algn="ctr"/>
             <a:r>
-              <a:rPr lang="en-US" sz="1600" dirty="0">
+              <a:rPr lang="en-US" sz="1600" dirty="0" smtClean="0">
                 <a:solidFill>
                   <a:schemeClr val="tx1"/>
                 </a:solidFill>
@@ -14520,7 +14537,7 @@
           <a:p>
             <a:pPr algn="ctr"/>
             <a:r>
-              <a:rPr lang="en-US" sz="1600" dirty="0">
+              <a:rPr lang="en-US" sz="1600" dirty="0" smtClean="0">
                 <a:solidFill>
                   <a:schemeClr val="tx1"/>
                 </a:solidFill>
@@ -14581,7 +14598,7 @@
           <a:p>
             <a:pPr algn="ctr"/>
             <a:r>
-              <a:rPr lang="en-US" sz="1600" dirty="0">
+              <a:rPr lang="en-US" sz="1600" dirty="0" smtClean="0">
                 <a:solidFill>
                   <a:schemeClr val="tx1"/>
                 </a:solidFill>
@@ -14592,7 +14609,7 @@
           <a:p>
             <a:pPr algn="ctr"/>
             <a:r>
-              <a:rPr lang="en-US" sz="1600" dirty="0">
+              <a:rPr lang="en-US" sz="1600" dirty="0" smtClean="0">
                 <a:solidFill>
                   <a:schemeClr val="tx1"/>
                 </a:solidFill>
@@ -14603,7 +14620,7 @@
           <a:p>
             <a:pPr algn="ctr"/>
             <a:r>
-              <a:rPr lang="en-US" sz="1600" dirty="0">
+              <a:rPr lang="en-US" sz="1600" dirty="0" smtClean="0">
                 <a:solidFill>
                   <a:schemeClr val="tx1"/>
                 </a:solidFill>
@@ -14825,6 +14842,13 @@
   <p:clrMapOvr>
     <a:masterClrMapping/>
   </p:clrMapOvr>
+  <p:timing>
+    <p:tnLst>
+      <p:par>
+        <p:cTn id="1" dur="indefinite" restart="never" nodeType="tmRoot"/>
+      </p:par>
+    </p:tnLst>
+  </p:timing>
 </p:sld>
 </file>
 
@@ -14866,11 +14890,18 @@
           <a:lstStyle/>
           <a:p>
             <a:r>
+              <a:rPr lang="en-US" dirty="0" smtClean="0">
+                <a:latin typeface="Cambria" panose="02040503050406030204" pitchFamily="18" charset="0"/>
+                <a:ea typeface="Cambria" panose="02040503050406030204" pitchFamily="18" charset="0"/>
+              </a:rPr>
+              <a:t>Modules:</a:t>
+            </a:r>
+            <a:r>
               <a:rPr lang="en-US" dirty="0">
                 <a:latin typeface="Cambria" panose="02040503050406030204" pitchFamily="18" charset="0"/>
                 <a:ea typeface="Cambria" panose="02040503050406030204" pitchFamily="18" charset="0"/>
               </a:rPr>
-              <a:t>Modules:</a:t>
+              <a:t/>
             </a:r>
             <a:br>
               <a:rPr lang="en-US" dirty="0">
@@ -14921,7 +14952,21 @@
                 <a:latin typeface="Cambria" pitchFamily="18" charset="0"/>
                 <a:ea typeface="Cambria" pitchFamily="18" charset="0"/>
               </a:rPr>
-              <a:t> - Gather leaf images, normalize, augment.</a:t>
+              <a:t> </a:t>
+            </a:r>
+            <a:r>
+              <a:rPr lang="en-IN" dirty="0" smtClean="0">
+                <a:latin typeface="Cambria" pitchFamily="18" charset="0"/>
+                <a:ea typeface="Cambria" pitchFamily="18" charset="0"/>
+              </a:rPr>
+              <a:t>- </a:t>
+            </a:r>
+            <a:r>
+              <a:rPr lang="en-IN" dirty="0">
+                <a:latin typeface="Cambria" pitchFamily="18" charset="0"/>
+                <a:ea typeface="Cambria" pitchFamily="18" charset="0"/>
+              </a:rPr>
+              <a:t>Gather leaf images, normalize, augment.</a:t>
             </a:r>
           </a:p>
           <a:p>
@@ -14942,7 +14987,21 @@
                 <a:latin typeface="Cambria" pitchFamily="18" charset="0"/>
                 <a:ea typeface="Cambria" pitchFamily="18" charset="0"/>
               </a:rPr>
-              <a:t> - CNN-based classification.</a:t>
+              <a:t> </a:t>
+            </a:r>
+            <a:r>
+              <a:rPr lang="en-IN" dirty="0" smtClean="0">
+                <a:latin typeface="Cambria" pitchFamily="18" charset="0"/>
+                <a:ea typeface="Cambria" pitchFamily="18" charset="0"/>
+              </a:rPr>
+              <a:t>- </a:t>
+            </a:r>
+            <a:r>
+              <a:rPr lang="en-IN" dirty="0">
+                <a:latin typeface="Cambria" pitchFamily="18" charset="0"/>
+                <a:ea typeface="Cambria" pitchFamily="18" charset="0"/>
+              </a:rPr>
+              <a:t>CNN-based classification.</a:t>
             </a:r>
           </a:p>
           <a:p>
@@ -14963,7 +15022,21 @@
                 <a:latin typeface="Cambria" pitchFamily="18" charset="0"/>
                 <a:ea typeface="Cambria" pitchFamily="18" charset="0"/>
               </a:rPr>
-              <a:t> - Suggest treatments &amp; fertilizers.</a:t>
+              <a:t> </a:t>
+            </a:r>
+            <a:r>
+              <a:rPr lang="en-IN" dirty="0" smtClean="0">
+                <a:latin typeface="Cambria" pitchFamily="18" charset="0"/>
+                <a:ea typeface="Cambria" pitchFamily="18" charset="0"/>
+              </a:rPr>
+              <a:t>- Suggest </a:t>
+            </a:r>
+            <a:r>
+              <a:rPr lang="en-IN" dirty="0">
+                <a:latin typeface="Cambria" pitchFamily="18" charset="0"/>
+                <a:ea typeface="Cambria" pitchFamily="18" charset="0"/>
+              </a:rPr>
+              <a:t>treatments &amp; fertilizers.</a:t>
             </a:r>
           </a:p>
           <a:p>
@@ -14984,7 +15057,21 @@
                 <a:latin typeface="Cambria" pitchFamily="18" charset="0"/>
                 <a:ea typeface="Cambria" pitchFamily="18" charset="0"/>
               </a:rPr>
-              <a:t> - Web/Mobile app for farmers.</a:t>
+              <a:t> </a:t>
+            </a:r>
+            <a:r>
+              <a:rPr lang="en-IN" dirty="0" smtClean="0">
+                <a:latin typeface="Cambria" pitchFamily="18" charset="0"/>
+                <a:ea typeface="Cambria" pitchFamily="18" charset="0"/>
+              </a:rPr>
+              <a:t>- </a:t>
+            </a:r>
+            <a:r>
+              <a:rPr lang="en-IN" dirty="0">
+                <a:latin typeface="Cambria" pitchFamily="18" charset="0"/>
+                <a:ea typeface="Cambria" pitchFamily="18" charset="0"/>
+              </a:rPr>
+              <a:t>Web/Mobile app for farmers.</a:t>
             </a:r>
           </a:p>
           <a:p>
@@ -15005,7 +15092,21 @@
                 <a:latin typeface="Cambria" pitchFamily="18" charset="0"/>
                 <a:ea typeface="Cambria" pitchFamily="18" charset="0"/>
               </a:rPr>
-              <a:t> - Store crop images, predictions, and results.</a:t>
+              <a:t> </a:t>
+            </a:r>
+            <a:r>
+              <a:rPr lang="en-IN" dirty="0" smtClean="0">
+                <a:latin typeface="Cambria" pitchFamily="18" charset="0"/>
+                <a:ea typeface="Cambria" pitchFamily="18" charset="0"/>
+              </a:rPr>
+              <a:t>- </a:t>
+            </a:r>
+            <a:r>
+              <a:rPr lang="en-IN" dirty="0">
+                <a:latin typeface="Cambria" pitchFamily="18" charset="0"/>
+                <a:ea typeface="Cambria" pitchFamily="18" charset="0"/>
+              </a:rPr>
+              <a:t>Store crop images, predictions, and results.</a:t>
             </a:r>
           </a:p>
           <a:p>
@@ -15031,6 +15132,13 @@
   <p:clrMapOvr>
     <a:masterClrMapping/>
   </p:clrMapOvr>
+  <p:timing>
+    <p:tnLst>
+      <p:par>
+        <p:cTn id="1" dur="indefinite" restart="never" nodeType="tmRoot"/>
+      </p:par>
+    </p:tnLst>
+  </p:timing>
 </p:sld>
 </file>
 
@@ -15076,7 +15184,21 @@
                 <a:latin typeface="Cambria" panose="02040503050406030204" pitchFamily="18" charset="0"/>
                 <a:ea typeface="Cambria" panose="02040503050406030204" pitchFamily="18" charset="0"/>
               </a:rPr>
-              <a:t>Hardware/Software Requirements:</a:t>
+              <a:t>Hardware/Software </a:t>
+            </a:r>
+            <a:r>
+              <a:rPr lang="en-US" dirty="0" smtClean="0">
+                <a:latin typeface="Cambria" panose="02040503050406030204" pitchFamily="18" charset="0"/>
+                <a:ea typeface="Cambria" panose="02040503050406030204" pitchFamily="18" charset="0"/>
+              </a:rPr>
+              <a:t>Requirements:</a:t>
+            </a:r>
+            <a:r>
+              <a:rPr lang="en-US" dirty="0">
+                <a:latin typeface="Cambria" panose="02040503050406030204" pitchFamily="18" charset="0"/>
+                <a:ea typeface="Cambria" panose="02040503050406030204" pitchFamily="18" charset="0"/>
+              </a:rPr>
+              <a:t/>
             </a:r>
             <a:br>
               <a:rPr lang="en-US" dirty="0">
@@ -15111,7 +15233,21 @@
                 <a:latin typeface="Cambria" pitchFamily="18" charset="0"/>
                 <a:ea typeface="Cambria" pitchFamily="18" charset="0"/>
               </a:rPr>
-              <a:t>   Hardware:</a:t>
+              <a:t> </a:t>
+            </a:r>
+            <a:r>
+              <a:rPr lang="en-IN" b="1" dirty="0" smtClean="0">
+                <a:latin typeface="Cambria" pitchFamily="18" charset="0"/>
+                <a:ea typeface="Cambria" pitchFamily="18" charset="0"/>
+              </a:rPr>
+              <a:t>  Hardware</a:t>
+            </a:r>
+            <a:r>
+              <a:rPr lang="en-IN" b="1" dirty="0">
+                <a:latin typeface="Cambria" pitchFamily="18" charset="0"/>
+                <a:ea typeface="Cambria" pitchFamily="18" charset="0"/>
+              </a:rPr>
+              <a:t>:</a:t>
             </a:r>
             <a:endParaRPr lang="en-IN" dirty="0">
               <a:latin typeface="Cambria" pitchFamily="18" charset="0"/>
@@ -15133,8 +15269,12 @@
                 <a:latin typeface="Cambria" pitchFamily="18" charset="0"/>
                 <a:ea typeface="Cambria" pitchFamily="18" charset="0"/>
               </a:rPr>
-              <a:t>Processing: Laptop/PC with GPU.</a:t>
-            </a:r>
+              <a:t>Processing: Laptop/PC with GPU </a:t>
+            </a:r>
+            <a:endParaRPr lang="en-IN" dirty="0" smtClean="0">
+              <a:latin typeface="Cambria" pitchFamily="18" charset="0"/>
+              <a:ea typeface="Cambria" pitchFamily="18" charset="0"/>
+            </a:endParaRPr>
           </a:p>
           <a:p>
             <a:endParaRPr lang="en-IN" dirty="0">
@@ -15147,11 +15287,18 @@
               <a:buNone/>
             </a:pPr>
             <a:r>
+              <a:rPr lang="en-IN" b="1" dirty="0" smtClean="0">
+                <a:latin typeface="Cambria" pitchFamily="18" charset="0"/>
+                <a:ea typeface="Cambria" pitchFamily="18" charset="0"/>
+              </a:rPr>
+              <a:t>   Software</a:t>
+            </a:r>
+            <a:r>
               <a:rPr lang="en-IN" b="1" dirty="0">
                 <a:latin typeface="Cambria" pitchFamily="18" charset="0"/>
                 <a:ea typeface="Cambria" pitchFamily="18" charset="0"/>
               </a:rPr>
-              <a:t>   Software:</a:t>
+              <a:t>:</a:t>
             </a:r>
             <a:endParaRPr lang="en-IN" dirty="0">
               <a:latin typeface="Cambria" pitchFamily="18" charset="0"/>
@@ -15169,65 +15316,72 @@
           </a:p>
           <a:p>
             <a:r>
+              <a:rPr lang="en-IN" dirty="0" smtClean="0">
+                <a:latin typeface="Cambria" pitchFamily="18" charset="0"/>
+                <a:ea typeface="Cambria" pitchFamily="18" charset="0"/>
+              </a:rPr>
+              <a:t>Frameworks: </a:t>
+            </a:r>
+            <a:r>
+              <a:rPr lang="en-IN" dirty="0" err="1" smtClean="0">
+                <a:latin typeface="Cambria" pitchFamily="18" charset="0"/>
+                <a:ea typeface="Cambria" pitchFamily="18" charset="0"/>
+              </a:rPr>
+              <a:t>TensorFlow</a:t>
+            </a:r>
+            <a:r>
+              <a:rPr lang="en-IN" dirty="0" smtClean="0">
+                <a:latin typeface="Cambria" pitchFamily="18" charset="0"/>
+                <a:ea typeface="Cambria" pitchFamily="18" charset="0"/>
+              </a:rPr>
+              <a:t> </a:t>
+            </a:r>
+          </a:p>
+          <a:p>
+            <a:r>
+              <a:rPr lang="en-IN" dirty="0" smtClean="0">
+                <a:latin typeface="Cambria" pitchFamily="18" charset="0"/>
+                <a:ea typeface="Cambria" pitchFamily="18" charset="0"/>
+              </a:rPr>
+              <a:t>Libraries</a:t>
+            </a:r>
+            <a:r>
               <a:rPr lang="en-IN" dirty="0">
                 <a:latin typeface="Cambria" pitchFamily="18" charset="0"/>
                 <a:ea typeface="Cambria" pitchFamily="18" charset="0"/>
               </a:rPr>
-              <a:t>Frameworks: </a:t>
+              <a:t>: </a:t>
             </a:r>
             <a:r>
               <a:rPr lang="en-IN" dirty="0" err="1">
                 <a:latin typeface="Cambria" pitchFamily="18" charset="0"/>
                 <a:ea typeface="Cambria" pitchFamily="18" charset="0"/>
               </a:rPr>
-              <a:t>TensorFlow</a:t>
+              <a:t>OpenCV</a:t>
             </a:r>
             <a:r>
               <a:rPr lang="en-IN" dirty="0">
                 <a:latin typeface="Cambria" pitchFamily="18" charset="0"/>
                 <a:ea typeface="Cambria" pitchFamily="18" charset="0"/>
               </a:rPr>
-              <a:t> </a:t>
-            </a:r>
-          </a:p>
-          <a:p>
+              <a:t>, </a:t>
+            </a:r>
+            <a:r>
+              <a:rPr lang="en-IN" dirty="0" err="1">
+                <a:latin typeface="Cambria" pitchFamily="18" charset="0"/>
+                <a:ea typeface="Cambria" pitchFamily="18" charset="0"/>
+              </a:rPr>
+              <a:t>NumPy</a:t>
+            </a:r>
             <a:r>
               <a:rPr lang="en-IN" dirty="0">
                 <a:latin typeface="Cambria" pitchFamily="18" charset="0"/>
                 <a:ea typeface="Cambria" pitchFamily="18" charset="0"/>
               </a:rPr>
-              <a:t>Libraries: </a:t>
-            </a:r>
-            <a:r>
-              <a:rPr lang="en-IN" dirty="0" err="1">
-                <a:latin typeface="Cambria" pitchFamily="18" charset="0"/>
-                <a:ea typeface="Cambria" pitchFamily="18" charset="0"/>
-              </a:rPr>
-              <a:t>OpenCV</a:t>
-            </a:r>
-            <a:r>
-              <a:rPr lang="en-IN" dirty="0">
-                <a:latin typeface="Cambria" pitchFamily="18" charset="0"/>
-                <a:ea typeface="Cambria" pitchFamily="18" charset="0"/>
-              </a:rPr>
-              <a:t>, </a:t>
-            </a:r>
-            <a:r>
-              <a:rPr lang="en-IN" dirty="0" err="1">
-                <a:latin typeface="Cambria" pitchFamily="18" charset="0"/>
-                <a:ea typeface="Cambria" pitchFamily="18" charset="0"/>
-              </a:rPr>
-              <a:t>NumPy</a:t>
-            </a:r>
-            <a:r>
-              <a:rPr lang="en-IN" dirty="0">
-                <a:latin typeface="Cambria" pitchFamily="18" charset="0"/>
-                <a:ea typeface="Cambria" pitchFamily="18" charset="0"/>
-              </a:rPr>
               <a:t>, Pandas, </a:t>
             </a:r>
             <a:r>
-              <a:rPr lang="en-IN" dirty="0" err="1">
+              <a:rPr lang="en-IN" dirty="0" err="1" smtClean="0">
                 <a:latin typeface="Cambria" pitchFamily="18" charset="0"/>
                 <a:ea typeface="Cambria" pitchFamily="18" charset="0"/>
               </a:rPr>
@@ -15276,6 +15430,13 @@
   <p:clrMapOvr>
     <a:masterClrMapping/>
   </p:clrMapOvr>
+  <p:timing>
+    <p:tnLst>
+      <p:par>
+        <p:cTn id="1" dur="indefinite" restart="never" nodeType="tmRoot"/>
+      </p:par>
+    </p:tnLst>
+  </p:timing>
 </p:sld>
 </file>
 
@@ -15522,6 +15683,13 @@
   <p:clrMapOvr>
     <a:masterClrMapping/>
   </p:clrMapOvr>
+  <p:timing>
+    <p:tnLst>
+      <p:par>
+        <p:cTn id="1" dur="indefinite" restart="never" nodeType="tmRoot"/>
+      </p:par>
+    </p:tnLst>
+  </p:timing>
 </p:sld>
 </file>
 
@@ -15530,7 +15698,7 @@
   <p:cSld>
     <p:spTree>
       <p:nvGrpSpPr>
-        <p:cNvPr id="1" name=""/>
+        <p:cNvPr id="1" name="Shape 143"/>
         <p:cNvGrpSpPr/>
         <p:nvPr/>
       </p:nvGrpSpPr>
@@ -15544,76 +15712,312 @@
       </p:grpSpPr>
       <p:sp>
         <p:nvSpPr>
-          <p:cNvPr id="2" name="Title 1">
-            <a:extLst>
-              <a:ext uri="{FF2B5EF4-FFF2-40B4-BE49-F238E27FC236}">
-                <a16:creationId xmlns:a16="http://schemas.microsoft.com/office/drawing/2014/main" id="{26740F77-6BE4-6343-0165-802874E59DB1}"/>
-              </a:ext>
-            </a:extLst>
-          </p:cNvPr>
-          <p:cNvSpPr>
+          <p:cNvPr id="144" name="Google Shape;144;p22"/>
+          <p:cNvSpPr txBox="1">
             <a:spLocks noGrp="1"/>
           </p:cNvSpPr>
           <p:nvPr>
             <p:ph type="title"/>
           </p:nvPr>
         </p:nvSpPr>
-        <p:spPr/>
+        <p:spPr>
+          <a:xfrm>
+            <a:off x="812800" y="274638"/>
+            <a:ext cx="10668000" cy="487500"/>
+          </a:xfrm>
+          <a:prstGeom prst="rect">
+            <a:avLst/>
+          </a:prstGeom>
+          <a:noFill/>
+          <a:ln>
+            <a:noFill/>
+          </a:ln>
+        </p:spPr>
         <p:txBody>
-          <a:bodyPr/>
+          <a:bodyPr spcFirstLastPara="1" wrap="square" lIns="91425" tIns="45700" rIns="91425" bIns="45700" anchor="ctr" anchorCtr="0">
+            <a:noAutofit/>
+          </a:bodyPr>
           <a:lstStyle/>
           <a:p>
-            <a:r>
-              <a:rPr lang="en-US" dirty="0" err="1"/>
-              <a:t>Github</a:t>
-            </a:r>
-            <a:r>
-              <a:rPr lang="en-US" dirty="0"/>
-              <a:t> Link</a:t>
-            </a:r>
+            <a:pPr lvl="0"/>
+            <a:r>
+              <a:rPr lang="en-GB" dirty="0">
+                <a:latin typeface="Cambria" panose="02040503050406030204" pitchFamily="18" charset="0"/>
+                <a:ea typeface="Cambria" panose="02040503050406030204" pitchFamily="18" charset="0"/>
+              </a:rPr>
+              <a:t>References (IEEE Paper format)</a:t>
+            </a:r>
+            <a:endParaRPr dirty="0">
+              <a:latin typeface="Cambria" panose="02040503050406030204" pitchFamily="18" charset="0"/>
+              <a:ea typeface="Cambria" panose="02040503050406030204" pitchFamily="18" charset="0"/>
+            </a:endParaRPr>
           </a:p>
         </p:txBody>
       </p:sp>
       <p:sp>
         <p:nvSpPr>
-          <p:cNvPr id="3" name="Text Placeholder 2">
-            <a:extLst>
-              <a:ext uri="{FF2B5EF4-FFF2-40B4-BE49-F238E27FC236}">
-                <a16:creationId xmlns:a16="http://schemas.microsoft.com/office/drawing/2014/main" id="{03789F4A-0D6A-C7CB-5EBE-2275AE303287}"/>
-              </a:ext>
-            </a:extLst>
-          </p:cNvPr>
-          <p:cNvSpPr>
+          <p:cNvPr id="145" name="Google Shape;145;p22"/>
+          <p:cNvSpPr txBox="1">
             <a:spLocks noGrp="1"/>
           </p:cNvSpPr>
           <p:nvPr>
             <p:ph type="body" idx="1"/>
           </p:nvPr>
         </p:nvSpPr>
-        <p:spPr/>
+        <p:spPr>
+          <a:xfrm>
+            <a:off x="683967" y="1227843"/>
+            <a:ext cx="10925665" cy="4767605"/>
+          </a:xfrm>
+          <a:prstGeom prst="rect">
+            <a:avLst/>
+          </a:prstGeom>
+          <a:noFill/>
+          <a:ln>
+            <a:noFill/>
+          </a:ln>
+        </p:spPr>
         <p:txBody>
-          <a:bodyPr/>
+          <a:bodyPr spcFirstLastPara="1" wrap="square" lIns="91425" tIns="45700" rIns="91425" bIns="45700" anchor="t" anchorCtr="0">
+            <a:normAutofit/>
+          </a:bodyPr>
           <a:lstStyle/>
           <a:p>
-            <a:pPr marL="76200" indent="0">
+            <a:pPr marL="152400" indent="0">
+              <a:spcBef>
+                <a:spcPts val="0"/>
+              </a:spcBef>
               <a:buNone/>
             </a:pPr>
             <a:r>
-              <a:rPr lang="en-US" dirty="0">
+              <a:rPr lang="en-US" sz="1800" dirty="0">
                 <a:latin typeface="Cambria" panose="02040503050406030204" pitchFamily="18" charset="0"/>
                 <a:ea typeface="Cambria" panose="02040503050406030204" pitchFamily="18" charset="0"/>
               </a:rPr>
-              <a:t>Link- </a:t>
-            </a:r>
-            <a:r>
-              <a:rPr lang="en-US" dirty="0">
+              <a:t>[1]. S. Mohanty, D. Hughes, and M. Salathé, “Using deep learning for image-based plant     disease detection,” Frontiers in Plant Science, vol. 7, p. 1419, Sep. 2016.</a:t>
+            </a:r>
+          </a:p>
+          <a:p>
+            <a:pPr marL="152400" indent="0">
+              <a:spcBef>
+                <a:spcPts val="0"/>
+              </a:spcBef>
+              <a:buNone/>
+            </a:pPr>
+            <a:endParaRPr lang="en-US" sz="1800" dirty="0">
+              <a:latin typeface="Cambria" panose="02040503050406030204" pitchFamily="18" charset="0"/>
+              <a:ea typeface="Cambria" panose="02040503050406030204" pitchFamily="18" charset="0"/>
+            </a:endParaRPr>
+          </a:p>
+          <a:p>
+            <a:pPr marL="152400" indent="0">
+              <a:spcBef>
+                <a:spcPts val="0"/>
+              </a:spcBef>
+              <a:buNone/>
+            </a:pPr>
+            <a:r>
+              <a:rPr lang="en-US" sz="1800" dirty="0">
                 <a:latin typeface="Cambria" panose="02040503050406030204" pitchFamily="18" charset="0"/>
                 <a:ea typeface="Cambria" panose="02040503050406030204" pitchFamily="18" charset="0"/>
-                <a:hlinkClick r:id="rId2"/>
-              </a:rPr>
-              <a:t>https://github.com/harshithahaa/AI-driven-Crop-Disease-Prediction-and-Management-System</a:t>
+              </a:rPr>
+              <a:t>[2]. A. Too, L. Yujian, S. Njuki, and L. Yingchun, “A comparative study of fine-tuning deep learning models for plant disease identification,” Computers and Electronics in Agriculture, vol. 161, pp. 272–279, Jun. 2019.</a:t>
+            </a:r>
+          </a:p>
+          <a:p>
+            <a:pPr marL="152400" indent="0">
+              <a:spcBef>
+                <a:spcPts val="0"/>
+              </a:spcBef>
+              <a:buNone/>
+            </a:pPr>
+            <a:endParaRPr lang="en-US" sz="1800" dirty="0">
+              <a:latin typeface="Cambria" panose="02040503050406030204" pitchFamily="18" charset="0"/>
+              <a:ea typeface="Cambria" panose="02040503050406030204" pitchFamily="18" charset="0"/>
+            </a:endParaRPr>
+          </a:p>
+          <a:p>
+            <a:pPr marL="152400" indent="0">
+              <a:spcBef>
+                <a:spcPts val="0"/>
+              </a:spcBef>
+              <a:buNone/>
+            </a:pPr>
+            <a:r>
+              <a:rPr lang="en-US" sz="1800" dirty="0">
+                <a:latin typeface="Cambria" panose="02040503050406030204" pitchFamily="18" charset="0"/>
+                <a:ea typeface="Cambria" panose="02040503050406030204" pitchFamily="18" charset="0"/>
+              </a:rPr>
+              <a:t>[3]. P. Ferentinos, “Deep learning models for plant disease detection and diagnosis,” Computers and Electronics in Agriculture, vol. 145, pp. 311–318, Feb. 2018.</a:t>
+            </a:r>
+          </a:p>
+          <a:p>
+            <a:pPr marL="609600" lvl="1" indent="0">
+              <a:spcBef>
+                <a:spcPts val="0"/>
+              </a:spcBef>
+              <a:buNone/>
+            </a:pPr>
+            <a:endParaRPr lang="en-US" sz="1900" dirty="0">
+              <a:latin typeface="Cambria" panose="02040503050406030204" pitchFamily="18" charset="0"/>
+              <a:ea typeface="Cambria" panose="02040503050406030204" pitchFamily="18" charset="0"/>
+            </a:endParaRPr>
+          </a:p>
+          <a:p>
+            <a:pPr marL="152400" indent="0">
+              <a:spcBef>
+                <a:spcPts val="0"/>
+              </a:spcBef>
+              <a:buNone/>
+            </a:pPr>
+            <a:r>
+              <a:rPr lang="en-US" sz="1800" dirty="0" smtClean="0">
+                <a:latin typeface="Cambria" pitchFamily="18" charset="0"/>
+                <a:ea typeface="Cambria" pitchFamily="18" charset="0"/>
+              </a:rPr>
+              <a:t>[4]. P. Jiang, Y. Chen, B. Liu, D. He and C. Liang, “Real-Time Detection of Apple Leaf Diseases Using Deep Learning Approach Based on Improved Convolutional Neural Networks,” </a:t>
+            </a:r>
+            <a:r>
+              <a:rPr lang="en-US" sz="1800" i="1" dirty="0" smtClean="0">
+                <a:latin typeface="Cambria" pitchFamily="18" charset="0"/>
+                <a:ea typeface="Cambria" pitchFamily="18" charset="0"/>
+              </a:rPr>
+              <a:t>IEEE Access</a:t>
+            </a:r>
+            <a:r>
+              <a:rPr lang="en-US" sz="1800" dirty="0" smtClean="0">
+                <a:latin typeface="Cambria" pitchFamily="18" charset="0"/>
+                <a:ea typeface="Cambria" pitchFamily="18" charset="0"/>
+              </a:rPr>
+              <a:t>, vol. 7, pp. 59069–59080, 2019.</a:t>
+            </a:r>
+          </a:p>
+          <a:p>
+            <a:pPr marL="152400" indent="0">
+              <a:spcBef>
+                <a:spcPts val="0"/>
+              </a:spcBef>
+              <a:buNone/>
+            </a:pPr>
+            <a:endParaRPr lang="en-US" sz="1800" dirty="0">
+              <a:latin typeface="Cambria" pitchFamily="18" charset="0"/>
+              <a:ea typeface="Cambria" pitchFamily="18" charset="0"/>
+            </a:endParaRPr>
+          </a:p>
+          <a:p>
+            <a:pPr marL="152400" indent="0">
+              <a:spcBef>
+                <a:spcPts val="0"/>
+              </a:spcBef>
+              <a:buNone/>
+            </a:pPr>
+            <a:r>
+              <a:rPr lang="en-US" sz="1800" dirty="0" smtClean="0">
+                <a:latin typeface="Cambria" pitchFamily="18" charset="0"/>
+                <a:ea typeface="Cambria" pitchFamily="18" charset="0"/>
+              </a:rPr>
+              <a:t>[5]. </a:t>
+            </a:r>
+            <a:r>
+              <a:rPr lang="en-IN" sz="1800" dirty="0">
+                <a:latin typeface="Cambria" pitchFamily="18" charset="0"/>
+                <a:ea typeface="Cambria" pitchFamily="18" charset="0"/>
+              </a:rPr>
+              <a:t>X. Zhang, Y. </a:t>
+            </a:r>
+            <a:r>
+              <a:rPr lang="en-IN" sz="1800" dirty="0" err="1">
+                <a:latin typeface="Cambria" pitchFamily="18" charset="0"/>
+                <a:ea typeface="Cambria" pitchFamily="18" charset="0"/>
+              </a:rPr>
+              <a:t>Qiao</a:t>
+            </a:r>
+            <a:r>
+              <a:rPr lang="en-IN" sz="1800" dirty="0">
+                <a:latin typeface="Cambria" pitchFamily="18" charset="0"/>
+                <a:ea typeface="Cambria" pitchFamily="18" charset="0"/>
+              </a:rPr>
+              <a:t>, F. </a:t>
+            </a:r>
+            <a:r>
+              <a:rPr lang="en-IN" sz="1800" dirty="0" err="1">
+                <a:latin typeface="Cambria" pitchFamily="18" charset="0"/>
+                <a:ea typeface="Cambria" pitchFamily="18" charset="0"/>
+              </a:rPr>
+              <a:t>Meng</a:t>
+            </a:r>
+            <a:r>
+              <a:rPr lang="en-IN" sz="1800" dirty="0">
+                <a:latin typeface="Cambria" pitchFamily="18" charset="0"/>
+                <a:ea typeface="Cambria" pitchFamily="18" charset="0"/>
+              </a:rPr>
+              <a:t>, C. Fan and M. Zhang, “Identification of Maize Leaf Diseases Using Improved Deep Convolutional Neural Networks,” </a:t>
+            </a:r>
+            <a:r>
+              <a:rPr lang="en-IN" sz="1800" i="1" dirty="0">
+                <a:latin typeface="Cambria" pitchFamily="18" charset="0"/>
+                <a:ea typeface="Cambria" pitchFamily="18" charset="0"/>
+              </a:rPr>
+              <a:t>IEEE Access</a:t>
+            </a:r>
+            <a:r>
+              <a:rPr lang="en-IN" sz="1800" dirty="0">
+                <a:latin typeface="Cambria" pitchFamily="18" charset="0"/>
+                <a:ea typeface="Cambria" pitchFamily="18" charset="0"/>
+              </a:rPr>
+              <a:t>, vol. 6, pp. 30370–30377, </a:t>
+            </a:r>
+            <a:r>
+              <a:rPr lang="en-IN" sz="1800" dirty="0" smtClean="0">
+                <a:latin typeface="Cambria" pitchFamily="18" charset="0"/>
+                <a:ea typeface="Cambria" pitchFamily="18" charset="0"/>
+              </a:rPr>
+              <a:t>2018</a:t>
+            </a:r>
+            <a:r>
+              <a:rPr lang="en-IN" sz="1800" dirty="0">
+                <a:latin typeface="Cambria" pitchFamily="18" charset="0"/>
+                <a:ea typeface="Cambria" pitchFamily="18" charset="0"/>
+              </a:rPr>
+              <a:t>.</a:t>
             </a:r>
             <a:endParaRPr lang="en-US" dirty="0">
+              <a:latin typeface="Cambria" panose="02040503050406030204" pitchFamily="18" charset="0"/>
+              <a:ea typeface="Cambria" panose="02040503050406030204" pitchFamily="18" charset="0"/>
+            </a:endParaRPr>
+          </a:p>
+          <a:p>
+            <a:pPr marL="152400" indent="0">
+              <a:spcBef>
+                <a:spcPts val="0"/>
+              </a:spcBef>
+              <a:buNone/>
+            </a:pPr>
+            <a:endParaRPr lang="en-US" dirty="0">
+              <a:latin typeface="Cambria" panose="02040503050406030204" pitchFamily="18" charset="0"/>
+              <a:ea typeface="Cambria" panose="02040503050406030204" pitchFamily="18" charset="0"/>
+            </a:endParaRPr>
+          </a:p>
+          <a:p>
+            <a:pPr marL="152400" indent="0">
+              <a:spcBef>
+                <a:spcPts val="0"/>
+              </a:spcBef>
+              <a:buNone/>
+            </a:pPr>
+            <a:endParaRPr lang="en-US" dirty="0">
+              <a:latin typeface="Cambria" panose="02040503050406030204" pitchFamily="18" charset="0"/>
+              <a:ea typeface="Cambria" panose="02040503050406030204" pitchFamily="18" charset="0"/>
+            </a:endParaRPr>
+          </a:p>
+          <a:p>
+            <a:pPr marL="152400" indent="0">
+              <a:spcBef>
+                <a:spcPts val="0"/>
+              </a:spcBef>
+              <a:buNone/>
+            </a:pPr>
+            <a:endParaRPr dirty="0">
               <a:latin typeface="Cambria" panose="02040503050406030204" pitchFamily="18" charset="0"/>
               <a:ea typeface="Cambria" panose="02040503050406030204" pitchFamily="18" charset="0"/>
             </a:endParaRPr>
@@ -15623,13 +16027,20 @@
     </p:spTree>
     <p:extLst>
       <p:ext uri="{BB962C8B-B14F-4D97-AF65-F5344CB8AC3E}">
-        <p14:creationId xmlns:p14="http://schemas.microsoft.com/office/powerpoint/2010/main" val="731808563"/>
+        <p14:creationId xmlns:p14="http://schemas.microsoft.com/office/powerpoint/2010/main" val="2930957498"/>
       </p:ext>
     </p:extLst>
   </p:cSld>
   <p:clrMapOvr>
     <a:masterClrMapping/>
   </p:clrMapOvr>
+  <p:timing>
+    <p:tnLst>
+      <p:par>
+        <p:cTn id="1" dur="indefinite" restart="never" nodeType="tmRoot"/>
+      </p:par>
+    </p:tnLst>
+  </p:timing>
 </p:sld>
 </file>
 
@@ -15730,11 +16141,73 @@
               <a:buNone/>
             </a:pPr>
             <a:r>
+              <a:rPr lang="en-US" sz="1800" dirty="0" smtClean="0">
+                <a:latin typeface="Cambria" panose="02040503050406030204" pitchFamily="18" charset="0"/>
+                <a:ea typeface="Cambria" panose="02040503050406030204" pitchFamily="18" charset="0"/>
+              </a:rPr>
+              <a:t>[6].  H.-J. Yu and C.-H. Son, “Apple Leaf Disease Identification through Region-of-Interest-Aware Deep Convolutional Neural Network,” </a:t>
+            </a:r>
+            <a:r>
+              <a:rPr lang="en-US" sz="1800" i="1" dirty="0" smtClean="0">
+                <a:latin typeface="Cambria" pitchFamily="18" charset="0"/>
+                <a:ea typeface="Cambria" pitchFamily="18" charset="0"/>
+              </a:rPr>
+              <a:t>IEEE Access</a:t>
+            </a:r>
+            <a:r>
+              <a:rPr lang="en-US" sz="1800" dirty="0" smtClean="0">
+                <a:latin typeface="Cambria" pitchFamily="18" charset="0"/>
+                <a:ea typeface="Cambria" pitchFamily="18" charset="0"/>
+              </a:rPr>
+              <a:t>, vol. 8, pp. 60696–60706, 2020, </a:t>
+            </a:r>
+          </a:p>
+          <a:p>
+            <a:pPr marL="152400" indent="0">
+              <a:spcBef>
+                <a:spcPts val="0"/>
+              </a:spcBef>
+              <a:buNone/>
+            </a:pPr>
+            <a:endParaRPr lang="en-US" sz="1800" dirty="0">
+              <a:latin typeface="Cambria" pitchFamily="18" charset="0"/>
+              <a:ea typeface="Cambria" pitchFamily="18" charset="0"/>
+            </a:endParaRPr>
+          </a:p>
+          <a:p>
+            <a:pPr marL="152400" indent="0">
+              <a:spcBef>
+                <a:spcPts val="0"/>
+              </a:spcBef>
+              <a:buNone/>
+            </a:pPr>
+            <a:r>
+              <a:rPr lang="en-US" sz="1800" dirty="0" smtClean="0">
+                <a:latin typeface="Cambria" panose="02040503050406030204" pitchFamily="18" charset="0"/>
+                <a:ea typeface="Cambria" panose="02040503050406030204" pitchFamily="18" charset="0"/>
+              </a:rPr>
+              <a:t>[</a:t>
+            </a:r>
+            <a:r>
               <a:rPr lang="en-US" sz="1800" dirty="0">
                 <a:latin typeface="Cambria" panose="02040503050406030204" pitchFamily="18" charset="0"/>
                 <a:ea typeface="Cambria" panose="02040503050406030204" pitchFamily="18" charset="0"/>
               </a:rPr>
-              <a:t>[1]. S. Mohanty, D. Hughes, and M. Salathé, “Using deep learning for image-based plant     disease detection,” Frontiers in Plant Science, vol. 7, p. 1419, Sep. 2016.</a:t>
+              <a:t>7</a:t>
+            </a:r>
+            <a:r>
+              <a:rPr lang="en-US" sz="1800" dirty="0" smtClean="0">
+                <a:latin typeface="Cambria" panose="02040503050406030204" pitchFamily="18" charset="0"/>
+                <a:ea typeface="Cambria" panose="02040503050406030204" pitchFamily="18" charset="0"/>
+              </a:rPr>
+              <a:t>]. </a:t>
+            </a:r>
+            <a:r>
+              <a:rPr lang="en-US" sz="1800" dirty="0">
+                <a:latin typeface="Cambria" panose="02040503050406030204" pitchFamily="18" charset="0"/>
+                <a:ea typeface="Cambria" panose="02040503050406030204" pitchFamily="18" charset="0"/>
+              </a:rPr>
+              <a:t>A. Too, L. Yujian, S. Njuki, and L. Yingchun, “A comparative study of fine-tuning deep learning models for plant disease identification,” Computers and Electronics in Agriculture, vol. 161, pp. 272–279, Jun. 2019.</a:t>
             </a:r>
           </a:p>
           <a:p>
@@ -15757,38 +16230,18 @@
               <a:buNone/>
             </a:pPr>
             <a:r>
+              <a:rPr lang="en-US" sz="1800" dirty="0" smtClean="0">
+                <a:latin typeface="Cambria" panose="02040503050406030204" pitchFamily="18" charset="0"/>
+                <a:ea typeface="Cambria" panose="02040503050406030204" pitchFamily="18" charset="0"/>
+              </a:rPr>
+              <a:t>[8]. </a:t>
+            </a:r>
+            <a:r>
               <a:rPr lang="en-US" sz="1800" dirty="0">
                 <a:latin typeface="Cambria" panose="02040503050406030204" pitchFamily="18" charset="0"/>
                 <a:ea typeface="Cambria" panose="02040503050406030204" pitchFamily="18" charset="0"/>
               </a:rPr>
-              <a:t>[2]. A. Too, L. Yujian, S. Njuki, and L. Yingchun, “A comparative study of fine-tuning deep learning models for plant disease identification,” Computers and Electronics in Agriculture, vol. 161, pp. 272–279, Jun. 2019.</a:t>
-            </a:r>
-          </a:p>
-          <a:p>
-            <a:pPr marL="152400" indent="0">
-              <a:spcBef>
-                <a:spcPts val="0"/>
-              </a:spcBef>
-              <a:buNone/>
-            </a:pPr>
-            <a:endParaRPr lang="en-US" sz="1800" dirty="0">
-              <a:latin typeface="Cambria" panose="02040503050406030204" pitchFamily="18" charset="0"/>
-              <a:ea typeface="Cambria" panose="02040503050406030204" pitchFamily="18" charset="0"/>
-            </a:endParaRPr>
-          </a:p>
-          <a:p>
-            <a:pPr marL="152400" indent="0">
-              <a:spcBef>
-                <a:spcPts val="0"/>
-              </a:spcBef>
-              <a:buNone/>
-            </a:pPr>
-            <a:r>
-              <a:rPr lang="en-US" sz="1800" dirty="0">
-                <a:latin typeface="Cambria" panose="02040503050406030204" pitchFamily="18" charset="0"/>
-                <a:ea typeface="Cambria" panose="02040503050406030204" pitchFamily="18" charset="0"/>
-              </a:rPr>
-              <a:t>[3]. P. Ferentinos, “Deep learning models for plant disease detection and diagnosis,” Computers and Electronics in Agriculture, vol. 145, pp. 311–318, Feb. 2018.</a:t>
+              <a:t>P. Ferentinos, “Deep learning models for plant disease detection and diagnosis,” Computers and Electronics in Agriculture, vol. 145, pp. 311–318, Feb. 2018.</a:t>
             </a:r>
           </a:p>
           <a:p>
@@ -15811,11 +16264,18 @@
               <a:buNone/>
             </a:pPr>
             <a:r>
+              <a:rPr lang="en-US" sz="1800" dirty="0" smtClean="0">
+                <a:latin typeface="Cambria" panose="02040503050406030204" pitchFamily="18" charset="0"/>
+                <a:ea typeface="Cambria" panose="02040503050406030204" pitchFamily="18" charset="0"/>
+              </a:rPr>
+              <a:t>[9]. </a:t>
+            </a:r>
+            <a:r>
               <a:rPr lang="en-US" sz="1800" dirty="0">
                 <a:latin typeface="Cambria" pitchFamily="18" charset="0"/>
                 <a:ea typeface="Cambria" pitchFamily="18" charset="0"/>
               </a:rPr>
-              <a:t>[4]. P. Jiang, Y. Chen, B. Liu, D. He and C. Liang, “Real-Time Detection of Apple Leaf Diseases Using Deep Learning Approach Based on Improved Convolutional Neural Networks,” </a:t>
+              <a:t>L. Li, S. Zhang and B. Wang, “Plant Disease Detection and Classification by Deep Learning—A Review,” </a:t>
             </a:r>
             <a:r>
               <a:rPr lang="en-US" sz="1800" i="1" dirty="0">
@@ -15829,7 +16289,14 @@
                 <a:latin typeface="Cambria" pitchFamily="18" charset="0"/>
                 <a:ea typeface="Cambria" pitchFamily="18" charset="0"/>
               </a:rPr>
-              <a:t>, vol. 7, pp. 59069–59080, 2019.</a:t>
+              <a:t>, vol. 9, pp. 56683–56698, </a:t>
+            </a:r>
+            <a:r>
+              <a:rPr lang="en-US" sz="1800" dirty="0" smtClean="0">
+                <a:latin typeface="Cambria" pitchFamily="18" charset="0"/>
+                <a:ea typeface="Cambria" pitchFamily="18" charset="0"/>
+              </a:rPr>
+              <a:t>2021.</a:t>
             </a:r>
           </a:p>
           <a:p>
@@ -15852,62 +16319,55 @@
               <a:buNone/>
             </a:pPr>
             <a:r>
-              <a:rPr lang="en-US" sz="1800" dirty="0">
+              <a:rPr lang="en-US" sz="1800" dirty="0" smtClean="0">
+                <a:latin typeface="Cambria" panose="02040503050406030204" pitchFamily="18" charset="0"/>
+                <a:ea typeface="Cambria" panose="02040503050406030204" pitchFamily="18" charset="0"/>
+              </a:rPr>
+              <a:t>[10].  </a:t>
+            </a:r>
+            <a:r>
+              <a:rPr lang="en-IN" sz="1800" dirty="0" smtClean="0">
                 <a:latin typeface="Cambria" pitchFamily="18" charset="0"/>
                 <a:ea typeface="Cambria" pitchFamily="18" charset="0"/>
               </a:rPr>
-              <a:t>[5]. </a:t>
+              <a:t>J</a:t>
             </a:r>
             <a:r>
               <a:rPr lang="en-IN" sz="1800" dirty="0">
                 <a:latin typeface="Cambria" pitchFamily="18" charset="0"/>
                 <a:ea typeface="Cambria" pitchFamily="18" charset="0"/>
               </a:rPr>
-              <a:t>X. Zhang, Y. </a:t>
+              <a:t>. Chen, W. Chen, B. Zhang, Z. Tao, Y. Wu and M. Han, “Detection of Tomato Leaf Disease Based on Improved Convolutional Neural Network,” </a:t>
+            </a:r>
+            <a:r>
+              <a:rPr lang="en-IN" sz="1800" i="1" dirty="0">
+                <a:latin typeface="Cambria" pitchFamily="18" charset="0"/>
+                <a:ea typeface="Cambria" pitchFamily="18" charset="0"/>
+              </a:rPr>
+              <a:t>IEEE Access</a:t>
+            </a:r>
+            <a:r>
+              <a:rPr lang="en-IN" sz="1800" dirty="0">
+                <a:latin typeface="Cambria" pitchFamily="18" charset="0"/>
+                <a:ea typeface="Cambria" pitchFamily="18" charset="0"/>
+              </a:rPr>
+              <a:t>, vol. 9, pp. 30812–30825, 2021, </a:t>
             </a:r>
             <a:r>
               <a:rPr lang="en-IN" sz="1800" dirty="0" err="1">
                 <a:latin typeface="Cambria" pitchFamily="18" charset="0"/>
                 <a:ea typeface="Cambria" pitchFamily="18" charset="0"/>
               </a:rPr>
-              <a:t>Qiao</a:t>
+              <a:t>doi</a:t>
             </a:r>
             <a:r>
               <a:rPr lang="en-IN" sz="1800" dirty="0">
                 <a:latin typeface="Cambria" pitchFamily="18" charset="0"/>
                 <a:ea typeface="Cambria" pitchFamily="18" charset="0"/>
               </a:rPr>
-              <a:t>, F. </a:t>
-            </a:r>
-            <a:r>
-              <a:rPr lang="en-IN" sz="1800" dirty="0" err="1">
-                <a:latin typeface="Cambria" pitchFamily="18" charset="0"/>
-                <a:ea typeface="Cambria" pitchFamily="18" charset="0"/>
-              </a:rPr>
-              <a:t>Meng</a:t>
-            </a:r>
-            <a:r>
-              <a:rPr lang="en-IN" sz="1800" dirty="0">
-                <a:latin typeface="Cambria" pitchFamily="18" charset="0"/>
-                <a:ea typeface="Cambria" pitchFamily="18" charset="0"/>
-              </a:rPr>
-              <a:t>, C. Fan and M. Zhang, “Identification of Maize Leaf Diseases Using Improved Deep Convolutional Neural Networks,” </a:t>
-            </a:r>
-            <a:r>
-              <a:rPr lang="en-IN" sz="1800" i="1" dirty="0">
-                <a:latin typeface="Cambria" pitchFamily="18" charset="0"/>
-                <a:ea typeface="Cambria" pitchFamily="18" charset="0"/>
-              </a:rPr>
-              <a:t>IEEE Access</a:t>
-            </a:r>
-            <a:r>
-              <a:rPr lang="en-IN" sz="1800" dirty="0">
-                <a:latin typeface="Cambria" pitchFamily="18" charset="0"/>
-                <a:ea typeface="Cambria" pitchFamily="18" charset="0"/>
-              </a:rPr>
-              <a:t>, vol. 6, pp. 30370–30377, 2018.</a:t>
-            </a:r>
-            <a:endParaRPr lang="en-US" dirty="0">
+              <a:t>: 10.1109/ACCESS.2021.3069840.</a:t>
+            </a:r>
+            <a:endParaRPr lang="en-US" sz="1800" dirty="0">
               <a:latin typeface="Cambria" panose="02040503050406030204" pitchFamily="18" charset="0"/>
               <a:ea typeface="Cambria" panose="02040503050406030204" pitchFamily="18" charset="0"/>
             </a:endParaRPr>
@@ -15944,418 +16404,6 @@
               <a:buNone/>
             </a:pPr>
             <a:endParaRPr dirty="0">
-              <a:latin typeface="Cambria" panose="02040503050406030204" pitchFamily="18" charset="0"/>
-              <a:ea typeface="Cambria" panose="02040503050406030204" pitchFamily="18" charset="0"/>
-            </a:endParaRPr>
-          </a:p>
-        </p:txBody>
-      </p:sp>
-    </p:spTree>
-    <p:extLst>
-      <p:ext uri="{BB962C8B-B14F-4D97-AF65-F5344CB8AC3E}">
-        <p14:creationId xmlns:p14="http://schemas.microsoft.com/office/powerpoint/2010/main" val="2930957498"/>
-      </p:ext>
-    </p:extLst>
-  </p:cSld>
-  <p:clrMapOvr>
-    <a:masterClrMapping/>
-  </p:clrMapOvr>
-</p:sld>
-</file>
-
-<file path=ppt/slides/slide16.xml><?xml version="1.0" encoding="utf-8"?>
-<p:sld xmlns:a="http://schemas.openxmlformats.org/drawingml/2006/main" xmlns:r="http://schemas.openxmlformats.org/officeDocument/2006/relationships" xmlns:p="http://schemas.openxmlformats.org/presentationml/2006/main">
-  <p:cSld>
-    <p:spTree>
-      <p:nvGrpSpPr>
-        <p:cNvPr id="1" name="Shape 143"/>
-        <p:cNvGrpSpPr/>
-        <p:nvPr/>
-      </p:nvGrpSpPr>
-      <p:grpSpPr>
-        <a:xfrm>
-          <a:off x="0" y="0"/>
-          <a:ext cx="0" cy="0"/>
-          <a:chOff x="0" y="0"/>
-          <a:chExt cx="0" cy="0"/>
-        </a:xfrm>
-      </p:grpSpPr>
-      <p:sp>
-        <p:nvSpPr>
-          <p:cNvPr id="144" name="Google Shape;144;p22"/>
-          <p:cNvSpPr txBox="1">
-            <a:spLocks noGrp="1"/>
-          </p:cNvSpPr>
-          <p:nvPr>
-            <p:ph type="title"/>
-          </p:nvPr>
-        </p:nvSpPr>
-        <p:spPr>
-          <a:xfrm>
-            <a:off x="812800" y="274638"/>
-            <a:ext cx="10668000" cy="487500"/>
-          </a:xfrm>
-          <a:prstGeom prst="rect">
-            <a:avLst/>
-          </a:prstGeom>
-          <a:noFill/>
-          <a:ln>
-            <a:noFill/>
-          </a:ln>
-        </p:spPr>
-        <p:txBody>
-          <a:bodyPr spcFirstLastPara="1" wrap="square" lIns="91425" tIns="45700" rIns="91425" bIns="45700" anchor="ctr" anchorCtr="0">
-            <a:noAutofit/>
-          </a:bodyPr>
-          <a:lstStyle/>
-          <a:p>
-            <a:pPr lvl="0"/>
-            <a:r>
-              <a:rPr lang="en-GB" dirty="0">
-                <a:latin typeface="Cambria" panose="02040503050406030204" pitchFamily="18" charset="0"/>
-                <a:ea typeface="Cambria" panose="02040503050406030204" pitchFamily="18" charset="0"/>
-              </a:rPr>
-              <a:t>References (IEEE Paper format)</a:t>
-            </a:r>
-            <a:endParaRPr dirty="0">
-              <a:latin typeface="Cambria" panose="02040503050406030204" pitchFamily="18" charset="0"/>
-              <a:ea typeface="Cambria" panose="02040503050406030204" pitchFamily="18" charset="0"/>
-            </a:endParaRPr>
-          </a:p>
-        </p:txBody>
-      </p:sp>
-      <p:sp>
-        <p:nvSpPr>
-          <p:cNvPr id="145" name="Google Shape;145;p22"/>
-          <p:cNvSpPr txBox="1">
-            <a:spLocks noGrp="1"/>
-          </p:cNvSpPr>
-          <p:nvPr>
-            <p:ph type="body" idx="1"/>
-          </p:nvPr>
-        </p:nvSpPr>
-        <p:spPr>
-          <a:xfrm>
-            <a:off x="683967" y="1227843"/>
-            <a:ext cx="10925665" cy="4767605"/>
-          </a:xfrm>
-          <a:prstGeom prst="rect">
-            <a:avLst/>
-          </a:prstGeom>
-          <a:noFill/>
-          <a:ln>
-            <a:noFill/>
-          </a:ln>
-        </p:spPr>
-        <p:txBody>
-          <a:bodyPr spcFirstLastPara="1" wrap="square" lIns="91425" tIns="45700" rIns="91425" bIns="45700" anchor="t" anchorCtr="0">
-            <a:normAutofit/>
-          </a:bodyPr>
-          <a:lstStyle/>
-          <a:p>
-            <a:pPr marL="152400" indent="0">
-              <a:spcBef>
-                <a:spcPts val="0"/>
-              </a:spcBef>
-              <a:buNone/>
-            </a:pPr>
-            <a:r>
-              <a:rPr lang="en-US" sz="1800" dirty="0">
-                <a:latin typeface="Cambria" panose="02040503050406030204" pitchFamily="18" charset="0"/>
-                <a:ea typeface="Cambria" panose="02040503050406030204" pitchFamily="18" charset="0"/>
-              </a:rPr>
-              <a:t>[6].  H.-J. Yu and C.-H. Son, “Apple Leaf Disease Identification through Region-of-Interest-Aware Deep Convolutional Neural Network,” </a:t>
-            </a:r>
-            <a:r>
-              <a:rPr lang="en-US" sz="1800" i="1" dirty="0">
-                <a:latin typeface="Cambria" panose="02040503050406030204" pitchFamily="18" charset="0"/>
-                <a:ea typeface="Cambria" panose="02040503050406030204" pitchFamily="18" charset="0"/>
-              </a:rPr>
-              <a:t>IEEE Access</a:t>
-            </a:r>
-            <a:r>
-              <a:rPr lang="en-US" sz="1800" dirty="0">
-                <a:latin typeface="Cambria" panose="02040503050406030204" pitchFamily="18" charset="0"/>
-                <a:ea typeface="Cambria" panose="02040503050406030204" pitchFamily="18" charset="0"/>
-              </a:rPr>
-              <a:t>, vol. 8, pp. 60696–60706, 2020, </a:t>
-            </a:r>
-          </a:p>
-          <a:p>
-            <a:pPr marL="152400" indent="0">
-              <a:spcBef>
-                <a:spcPts val="0"/>
-              </a:spcBef>
-              <a:buNone/>
-            </a:pPr>
-            <a:endParaRPr lang="en-US" sz="1800" dirty="0">
-              <a:latin typeface="Cambria" panose="02040503050406030204" pitchFamily="18" charset="0"/>
-              <a:ea typeface="Cambria" panose="02040503050406030204" pitchFamily="18" charset="0"/>
-            </a:endParaRPr>
-          </a:p>
-          <a:p>
-            <a:pPr marL="152400" indent="0">
-              <a:spcBef>
-                <a:spcPts val="0"/>
-              </a:spcBef>
-              <a:buNone/>
-            </a:pPr>
-            <a:r>
-              <a:rPr lang="en-US" sz="1800" dirty="0">
-                <a:latin typeface="Cambria" panose="02040503050406030204" pitchFamily="18" charset="0"/>
-                <a:ea typeface="Cambria" panose="02040503050406030204" pitchFamily="18" charset="0"/>
-              </a:rPr>
-              <a:t>[7]. S. </a:t>
-            </a:r>
-            <a:r>
-              <a:rPr lang="en-US" sz="1800" dirty="0" err="1">
-                <a:latin typeface="Cambria" panose="02040503050406030204" pitchFamily="18" charset="0"/>
-                <a:ea typeface="Cambria" panose="02040503050406030204" pitchFamily="18" charset="0"/>
-              </a:rPr>
-              <a:t>Sladojevic</a:t>
-            </a:r>
-            <a:r>
-              <a:rPr lang="en-US" sz="1800" dirty="0">
-                <a:latin typeface="Cambria" panose="02040503050406030204" pitchFamily="18" charset="0"/>
-                <a:ea typeface="Cambria" panose="02040503050406030204" pitchFamily="18" charset="0"/>
-              </a:rPr>
-              <a:t>, M. </a:t>
-            </a:r>
-            <a:r>
-              <a:rPr lang="en-US" sz="1800" dirty="0" err="1">
-                <a:latin typeface="Cambria" panose="02040503050406030204" pitchFamily="18" charset="0"/>
-                <a:ea typeface="Cambria" panose="02040503050406030204" pitchFamily="18" charset="0"/>
-              </a:rPr>
-              <a:t>Arsenovic</a:t>
-            </a:r>
-            <a:r>
-              <a:rPr lang="en-US" sz="1800" dirty="0">
-                <a:latin typeface="Cambria" panose="02040503050406030204" pitchFamily="18" charset="0"/>
-                <a:ea typeface="Cambria" panose="02040503050406030204" pitchFamily="18" charset="0"/>
-              </a:rPr>
-              <a:t>, A. </a:t>
-            </a:r>
-            <a:r>
-              <a:rPr lang="en-US" sz="1800" dirty="0" err="1">
-                <a:latin typeface="Cambria" panose="02040503050406030204" pitchFamily="18" charset="0"/>
-                <a:ea typeface="Cambria" panose="02040503050406030204" pitchFamily="18" charset="0"/>
-              </a:rPr>
-              <a:t>Anderla</a:t>
-            </a:r>
-            <a:r>
-              <a:rPr lang="en-US" sz="1800" dirty="0">
-                <a:latin typeface="Cambria" panose="02040503050406030204" pitchFamily="18" charset="0"/>
-                <a:ea typeface="Cambria" panose="02040503050406030204" pitchFamily="18" charset="0"/>
-              </a:rPr>
-              <a:t>, D. </a:t>
-            </a:r>
-            <a:r>
-              <a:rPr lang="en-US" sz="1800" dirty="0" err="1">
-                <a:latin typeface="Cambria" panose="02040503050406030204" pitchFamily="18" charset="0"/>
-                <a:ea typeface="Cambria" panose="02040503050406030204" pitchFamily="18" charset="0"/>
-              </a:rPr>
-              <a:t>Culibrk</a:t>
-            </a:r>
-            <a:r>
-              <a:rPr lang="en-US" sz="1800" dirty="0">
-                <a:latin typeface="Cambria" panose="02040503050406030204" pitchFamily="18" charset="0"/>
-                <a:ea typeface="Cambria" panose="02040503050406030204" pitchFamily="18" charset="0"/>
-              </a:rPr>
-              <a:t> and D. Stefanovic, “Deep Neural Networks Based Recognition of Plant Diseases by Leaf Image Classification,” </a:t>
-            </a:r>
-            <a:r>
-              <a:rPr lang="en-US" sz="1800" i="1" dirty="0">
-                <a:latin typeface="Cambria" panose="02040503050406030204" pitchFamily="18" charset="0"/>
-                <a:ea typeface="Cambria" panose="02040503050406030204" pitchFamily="18" charset="0"/>
-              </a:rPr>
-              <a:t>IEEE International Conference on Neural Networks (IJCNN)</a:t>
-            </a:r>
-            <a:r>
-              <a:rPr lang="en-US" sz="1800" dirty="0">
-                <a:latin typeface="Cambria" panose="02040503050406030204" pitchFamily="18" charset="0"/>
-                <a:ea typeface="Cambria" panose="02040503050406030204" pitchFamily="18" charset="0"/>
-              </a:rPr>
-              <a:t>, pp. 3640–3647, 2016.</a:t>
-            </a:r>
-          </a:p>
-          <a:p>
-            <a:pPr marL="152400" indent="0">
-              <a:spcBef>
-                <a:spcPts val="0"/>
-              </a:spcBef>
-              <a:buNone/>
-            </a:pPr>
-            <a:endParaRPr lang="en-US" sz="1800" dirty="0">
-              <a:latin typeface="Cambria" panose="02040503050406030204" pitchFamily="18" charset="0"/>
-              <a:ea typeface="Cambria" panose="02040503050406030204" pitchFamily="18" charset="0"/>
-            </a:endParaRPr>
-          </a:p>
-          <a:p>
-            <a:pPr marL="152400" indent="0">
-              <a:spcBef>
-                <a:spcPts val="0"/>
-              </a:spcBef>
-              <a:buNone/>
-            </a:pPr>
-            <a:r>
-              <a:rPr lang="en-US" sz="1800" dirty="0">
-                <a:latin typeface="Cambria" panose="02040503050406030204" pitchFamily="18" charset="0"/>
-                <a:ea typeface="Cambria" panose="02040503050406030204" pitchFamily="18" charset="0"/>
-              </a:rPr>
-              <a:t>[8]. K. Amara, B. Bouaziz and A. </a:t>
-            </a:r>
-            <a:r>
-              <a:rPr lang="en-US" sz="1800" dirty="0" err="1">
-                <a:latin typeface="Cambria" panose="02040503050406030204" pitchFamily="18" charset="0"/>
-                <a:ea typeface="Cambria" panose="02040503050406030204" pitchFamily="18" charset="0"/>
-              </a:rPr>
-              <a:t>Algergawy</a:t>
-            </a:r>
-            <a:r>
-              <a:rPr lang="en-US" sz="1800" dirty="0">
-                <a:latin typeface="Cambria" panose="02040503050406030204" pitchFamily="18" charset="0"/>
-                <a:ea typeface="Cambria" panose="02040503050406030204" pitchFamily="18" charset="0"/>
-              </a:rPr>
-              <a:t>, “A Deep Learning-Based Approach for Banana Leaf Diseases Classification,” </a:t>
-            </a:r>
-            <a:r>
-              <a:rPr lang="en-US" sz="1800" i="1" dirty="0">
-                <a:latin typeface="Cambria" panose="02040503050406030204" pitchFamily="18" charset="0"/>
-                <a:ea typeface="Cambria" panose="02040503050406030204" pitchFamily="18" charset="0"/>
-              </a:rPr>
-              <a:t>2017 IEEE Applied Imagery Pattern Recognition Workshop (AIPR)</a:t>
-            </a:r>
-            <a:r>
-              <a:rPr lang="en-US" sz="1800" dirty="0">
-                <a:latin typeface="Cambria" panose="02040503050406030204" pitchFamily="18" charset="0"/>
-                <a:ea typeface="Cambria" panose="02040503050406030204" pitchFamily="18" charset="0"/>
-              </a:rPr>
-              <a:t>, pp. 1–6, 2017.</a:t>
-            </a:r>
-            <a:br>
-              <a:rPr lang="en-US" sz="1800" dirty="0">
-                <a:latin typeface="Cambria" panose="02040503050406030204" pitchFamily="18" charset="0"/>
-                <a:ea typeface="Cambria" panose="02040503050406030204" pitchFamily="18" charset="0"/>
-              </a:rPr>
-            </a:br>
-            <a:endParaRPr lang="en-US" sz="1800" dirty="0">
-              <a:latin typeface="Cambria" panose="02040503050406030204" pitchFamily="18" charset="0"/>
-              <a:ea typeface="Cambria" panose="02040503050406030204" pitchFamily="18" charset="0"/>
-            </a:endParaRPr>
-          </a:p>
-          <a:p>
-            <a:pPr marL="152400" indent="0">
-              <a:spcBef>
-                <a:spcPts val="0"/>
-              </a:spcBef>
-              <a:buNone/>
-            </a:pPr>
-            <a:r>
-              <a:rPr lang="en-US" sz="1800" dirty="0">
-                <a:latin typeface="Cambria" panose="02040503050406030204" pitchFamily="18" charset="0"/>
-                <a:ea typeface="Cambria" panose="02040503050406030204" pitchFamily="18" charset="0"/>
-              </a:rPr>
-              <a:t>[9]. L. Li, S. Zhang and B. Wang, “Plant Disease Detection and Classification by Deep Learning—A Review,” </a:t>
-            </a:r>
-            <a:r>
-              <a:rPr lang="en-US" sz="1800" i="1" dirty="0">
-                <a:latin typeface="Cambria" panose="02040503050406030204" pitchFamily="18" charset="0"/>
-                <a:ea typeface="Cambria" panose="02040503050406030204" pitchFamily="18" charset="0"/>
-              </a:rPr>
-              <a:t>IEEE Access</a:t>
-            </a:r>
-            <a:r>
-              <a:rPr lang="en-US" sz="1800" dirty="0">
-                <a:latin typeface="Cambria" panose="02040503050406030204" pitchFamily="18" charset="0"/>
-                <a:ea typeface="Cambria" panose="02040503050406030204" pitchFamily="18" charset="0"/>
-              </a:rPr>
-              <a:t>, vol. 9, pp. 56683–56698, 2021.</a:t>
-            </a:r>
-          </a:p>
-          <a:p>
-            <a:pPr marL="152400" indent="0">
-              <a:spcBef>
-                <a:spcPts val="0"/>
-              </a:spcBef>
-              <a:buNone/>
-            </a:pPr>
-            <a:endParaRPr lang="en-US" sz="1800" dirty="0">
-              <a:latin typeface="Cambria" panose="02040503050406030204" pitchFamily="18" charset="0"/>
-              <a:ea typeface="Cambria" panose="02040503050406030204" pitchFamily="18" charset="0"/>
-            </a:endParaRPr>
-          </a:p>
-          <a:p>
-            <a:pPr marL="152400" indent="0">
-              <a:spcBef>
-                <a:spcPts val="0"/>
-              </a:spcBef>
-              <a:buNone/>
-            </a:pPr>
-            <a:r>
-              <a:rPr lang="en-US" sz="1800" dirty="0">
-                <a:latin typeface="Cambria" panose="02040503050406030204" pitchFamily="18" charset="0"/>
-                <a:ea typeface="Cambria" panose="02040503050406030204" pitchFamily="18" charset="0"/>
-              </a:rPr>
-              <a:t>[10].  </a:t>
-            </a:r>
-            <a:r>
-              <a:rPr lang="en-IN" sz="1800" dirty="0">
-                <a:latin typeface="Cambria" panose="02040503050406030204" pitchFamily="18" charset="0"/>
-                <a:ea typeface="Cambria" panose="02040503050406030204" pitchFamily="18" charset="0"/>
-              </a:rPr>
-              <a:t>J. Chen, W. Chen, B. Zhang, Z. Tao, Y. Wu and M. Han, “Detection of Tomato Leaf Disease Based on Improved Convolutional Neural Network,” </a:t>
-            </a:r>
-            <a:r>
-              <a:rPr lang="en-IN" sz="1800" i="1" dirty="0">
-                <a:latin typeface="Cambria" panose="02040503050406030204" pitchFamily="18" charset="0"/>
-                <a:ea typeface="Cambria" panose="02040503050406030204" pitchFamily="18" charset="0"/>
-              </a:rPr>
-              <a:t>IEEE Access</a:t>
-            </a:r>
-            <a:r>
-              <a:rPr lang="en-IN" sz="1800" dirty="0">
-                <a:latin typeface="Cambria" panose="02040503050406030204" pitchFamily="18" charset="0"/>
-                <a:ea typeface="Cambria" panose="02040503050406030204" pitchFamily="18" charset="0"/>
-              </a:rPr>
-              <a:t>, vol. 9, pp. 30812–30825, 2021.</a:t>
-            </a:r>
-            <a:endParaRPr lang="en-US" sz="1800" dirty="0">
-              <a:latin typeface="Cambria" panose="02040503050406030204" pitchFamily="18" charset="0"/>
-              <a:ea typeface="Cambria" panose="02040503050406030204" pitchFamily="18" charset="0"/>
-            </a:endParaRPr>
-          </a:p>
-          <a:p>
-            <a:pPr marL="152400" indent="0">
-              <a:spcBef>
-                <a:spcPts val="0"/>
-              </a:spcBef>
-              <a:buNone/>
-            </a:pPr>
-            <a:endParaRPr lang="en-US" sz="1800" dirty="0">
-              <a:latin typeface="Cambria" panose="02040503050406030204" pitchFamily="18" charset="0"/>
-              <a:ea typeface="Cambria" panose="02040503050406030204" pitchFamily="18" charset="0"/>
-            </a:endParaRPr>
-          </a:p>
-          <a:p>
-            <a:pPr marL="152400" indent="0">
-              <a:spcBef>
-                <a:spcPts val="0"/>
-              </a:spcBef>
-              <a:buNone/>
-            </a:pPr>
-            <a:endParaRPr lang="en-US" sz="1800" dirty="0">
-              <a:latin typeface="Cambria" panose="02040503050406030204" pitchFamily="18" charset="0"/>
-              <a:ea typeface="Cambria" panose="02040503050406030204" pitchFamily="18" charset="0"/>
-            </a:endParaRPr>
-          </a:p>
-          <a:p>
-            <a:pPr marL="152400" indent="0">
-              <a:spcBef>
-                <a:spcPts val="0"/>
-              </a:spcBef>
-              <a:buNone/>
-            </a:pPr>
-            <a:endParaRPr sz="1800" dirty="0">
               <a:latin typeface="Cambria" panose="02040503050406030204" pitchFamily="18" charset="0"/>
               <a:ea typeface="Cambria" panose="02040503050406030204" pitchFamily="18" charset="0"/>
             </a:endParaRPr>
@@ -16367,10 +16415,17 @@
   <p:clrMapOvr>
     <a:masterClrMapping/>
   </p:clrMapOvr>
+  <p:timing>
+    <p:tnLst>
+      <p:par>
+        <p:cTn id="1" dur="indefinite" restart="never" nodeType="tmRoot"/>
+      </p:par>
+    </p:tnLst>
+  </p:timing>
 </p:sld>
 </file>
 
-<file path=ppt/slides/slide17.xml><?xml version="1.0" encoding="utf-8"?>
+<file path=ppt/slides/slide16.xml><?xml version="1.0" encoding="utf-8"?>
 <p:sld xmlns:a="http://schemas.openxmlformats.org/drawingml/2006/main" xmlns:r="http://schemas.openxmlformats.org/officeDocument/2006/relationships" xmlns:p="http://schemas.openxmlformats.org/presentationml/2006/main">
   <p:cSld>
     <p:spTree>
@@ -16392,7 +16447,7 @@
           <p:cNvPr id="5" name="Picture 4">
             <a:extLst>
               <a:ext uri="{FF2B5EF4-FFF2-40B4-BE49-F238E27FC236}">
-                <a16:creationId xmlns:a16="http://schemas.microsoft.com/office/drawing/2014/main" id="{C63A00FF-89F0-DC87-D900-930227B33E5D}"/>
+                <a16:creationId xmlns="" xmlns:a16="http://schemas.microsoft.com/office/drawing/2014/main" id="{C63A00FF-89F0-DC87-D900-930227B33E5D}"/>
               </a:ext>
             </a:extLst>
           </p:cNvPr>
@@ -16422,6 +16477,13 @@
   <p:clrMapOvr>
     <a:masterClrMapping/>
   </p:clrMapOvr>
+  <p:timing>
+    <p:tnLst>
+      <p:par>
+        <p:cTn id="1" dur="indefinite" restart="never" nodeType="tmRoot"/>
+      </p:par>
+    </p:tnLst>
+  </p:timing>
 </p:sld>
 </file>
 
@@ -16861,7 +16923,7 @@
               <a:buNone/>
             </a:pPr>
             <a:r>
-              <a:rPr lang="en-GB" dirty="0">
+              <a:rPr lang="en-GB" dirty="0" smtClean="0">
                 <a:latin typeface="Cambria" panose="02040503050406030204" pitchFamily="18" charset="0"/>
                 <a:ea typeface="Cambria" panose="02040503050406030204" pitchFamily="18" charset="0"/>
               </a:rPr>
@@ -16911,7 +16973,7 @@
                 <a:latin typeface="Cambria" pitchFamily="18" charset="0"/>
                 <a:ea typeface="Cambria" pitchFamily="18" charset="0"/>
               </a:rPr>
-              <a:t>Agriculture is one of the most important sectors contributing to food security, yet crop diseases continue to cause significant yield losses worldwide. Traditional disease detection relies on manual inspection, which is time-consuming, error-prone, and requires expert knowledge. To address this, we propose an AI-driven crop disease detection and management system using deep learning, specifically convolutional neural networks (CNNs). The system preprocesses leaf images, classifies them as healthy or diseased, and provides timely recommendations to farmers. This approach ensures early detection, reduces crop losses, and promotes sustainable agricultural practices.</a:t>
+              <a:t>Agriculture is one of the most important sectors contributing to food security, yet crop diseases continue to cause significant yield losses worldwide. Traditional disease detection relies on manual inspection, which is time-consuming, error-prone, and requires expert knowledge. To address this, we propose an AI-driven crop disease detection and management system using deep learning, specifically convolutional neural networks (CNNs). The system preprocesses leaf images, classifies them as healthy or diseased, and provides timely recommendations to farmers. This approach ensures early detection, reduces crop losses, and promotes sustainable agricultural practices</a:t>
             </a:r>
           </a:p>
         </p:txBody>
@@ -16976,8 +17038,19 @@
                 <a:latin typeface="Cambria" panose="02040503050406030204" pitchFamily="18" charset="0"/>
                 <a:ea typeface="Cambria" panose="02040503050406030204" pitchFamily="18" charset="0"/>
               </a:rPr>
-              <a:t>Literature Survey:</a:t>
-            </a:r>
+              <a:t>Literature </a:t>
+            </a:r>
+            <a:r>
+              <a:rPr lang="en-US" dirty="0" smtClean="0">
+                <a:latin typeface="Cambria" panose="02040503050406030204" pitchFamily="18" charset="0"/>
+                <a:ea typeface="Cambria" panose="02040503050406030204" pitchFamily="18" charset="0"/>
+              </a:rPr>
+              <a:t>Survey:</a:t>
+            </a:r>
+            <a:endParaRPr lang="en-US" dirty="0">
+              <a:latin typeface="Cambria" panose="02040503050406030204" pitchFamily="18" charset="0"/>
+              <a:ea typeface="Cambria" panose="02040503050406030204" pitchFamily="18" charset="0"/>
+            </a:endParaRPr>
           </a:p>
         </p:txBody>
       </p:sp>
@@ -17004,27 +17077,9 @@
             <a:tbl>
               <a:tblPr firstRow="1" bandRow="1"/>
               <a:tblGrid>
-                <a:gridCol w="1968500">
-                  <a:extLst>
-                    <a:ext uri="{9D8B030D-6E8A-4147-A177-3AD203B41FA5}">
-                      <a16:colId xmlns:a16="http://schemas.microsoft.com/office/drawing/2014/main" val="20000"/>
-                    </a:ext>
-                  </a:extLst>
-                </a:gridCol>
-                <a:gridCol w="4356100">
-                  <a:extLst>
-                    <a:ext uri="{9D8B030D-6E8A-4147-A177-3AD203B41FA5}">
-                      <a16:colId xmlns:a16="http://schemas.microsoft.com/office/drawing/2014/main" val="20001"/>
-                    </a:ext>
-                  </a:extLst>
-                </a:gridCol>
-                <a:gridCol w="4445000">
-                  <a:extLst>
-                    <a:ext uri="{9D8B030D-6E8A-4147-A177-3AD203B41FA5}">
-                      <a16:colId xmlns:a16="http://schemas.microsoft.com/office/drawing/2014/main" val="20002"/>
-                    </a:ext>
-                  </a:extLst>
-                </a:gridCol>
+                <a:gridCol w="1968500"/>
+                <a:gridCol w="4356100"/>
+                <a:gridCol w="4445000"/>
               </a:tblGrid>
               <a:tr h="546100">
                 <a:tc>
@@ -17033,7 +17088,7 @@
                     <a:lstStyle/>
                     <a:p>
                       <a:r>
-                        <a:rPr lang="en-US" sz="2400" b="1" dirty="0">
+                        <a:rPr lang="en-US" sz="2400" b="1" dirty="0" smtClean="0">
                           <a:latin typeface="Cambria" pitchFamily="18" charset="0"/>
                           <a:ea typeface="Cambria" pitchFamily="18" charset="0"/>
                         </a:rPr>
@@ -17053,12 +17108,16 @@
                     <a:lstStyle/>
                     <a:p>
                       <a:r>
-                        <a:rPr lang="en-IN" sz="2400" b="1" dirty="0">
+                        <a:rPr lang="en-IN" sz="2400" b="1" dirty="0" smtClean="0">
                           <a:latin typeface="Cambria" pitchFamily="18" charset="0"/>
                           <a:ea typeface="Cambria" pitchFamily="18" charset="0"/>
                         </a:rPr>
                         <a:t>Author(s) &amp; Year</a:t>
                       </a:r>
+                      <a:endParaRPr lang="en-IN" sz="2400" b="1" dirty="0">
+                        <a:latin typeface="Cambria" pitchFamily="18" charset="0"/>
+                        <a:ea typeface="Cambria" pitchFamily="18" charset="0"/>
+                      </a:endParaRPr>
                     </a:p>
                   </a:txBody>
                   <a:tcPr/>
@@ -17088,21 +17147,20 @@
                         <a:defRPr/>
                       </a:pPr>
                       <a:r>
-                        <a:rPr lang="en-IN" sz="2400" b="1" dirty="0">
+                        <a:rPr lang="en-IN" sz="2400" b="1" dirty="0" smtClean="0">
                           <a:latin typeface="Cambria" pitchFamily="18" charset="0"/>
                           <a:ea typeface="Cambria" pitchFamily="18" charset="0"/>
                         </a:rPr>
                         <a:t>Approach / Method</a:t>
                       </a:r>
+                      <a:endParaRPr lang="en-IN" sz="2400" b="1" dirty="0">
+                        <a:latin typeface="Cambria" pitchFamily="18" charset="0"/>
+                        <a:ea typeface="Cambria" pitchFamily="18" charset="0"/>
+                      </a:endParaRPr>
                     </a:p>
                   </a:txBody>
                   <a:tcPr/>
                 </a:tc>
-                <a:extLst>
-                  <a:ext uri="{0D108BD9-81ED-4DB2-BD59-A6C34878D82A}">
-                    <a16:rowId xmlns:a16="http://schemas.microsoft.com/office/drawing/2014/main" val="10000"/>
-                  </a:ext>
-                </a:extLst>
               </a:tr>
               <a:tr h="268301">
                 <a:tc>
@@ -17111,7 +17169,7 @@
                     <a:lstStyle/>
                     <a:p>
                       <a:r>
-                        <a:rPr lang="da-DK" sz="1800" b="0" dirty="0">
+                        <a:rPr lang="da-DK" sz="1800" b="0" dirty="0" smtClean="0">
                           <a:latin typeface="Cambria" pitchFamily="18" charset="0"/>
                           <a:ea typeface="Cambria" pitchFamily="18" charset="0"/>
                         </a:rPr>
@@ -17131,21 +17189,21 @@
                     <a:lstStyle/>
                     <a:p>
                       <a:r>
-                        <a:rPr lang="en-US" sz="1800" b="0" dirty="0">
+                        <a:rPr lang="en-US" sz="1800" b="0" dirty="0" smtClean="0">
                           <a:latin typeface="Cambria" pitchFamily="18" charset="0"/>
                           <a:ea typeface="Cambria" pitchFamily="18" charset="0"/>
                         </a:rPr>
                         <a:t>CNN-based deep learning on </a:t>
                       </a:r>
                       <a:r>
-                        <a:rPr lang="en-US" sz="1800" b="0" dirty="0" err="1">
+                        <a:rPr lang="en-US" sz="1800" b="0" dirty="0" err="1" smtClean="0">
                           <a:latin typeface="Cambria" pitchFamily="18" charset="0"/>
                           <a:ea typeface="Cambria" pitchFamily="18" charset="0"/>
                         </a:rPr>
                         <a:t>PlantVillage</a:t>
                       </a:r>
                       <a:r>
-                        <a:rPr lang="en-US" sz="1800" b="0" dirty="0">
+                        <a:rPr lang="en-US" sz="1800" b="0" dirty="0" smtClean="0">
                           <a:latin typeface="Cambria" pitchFamily="18" charset="0"/>
                           <a:ea typeface="Cambria" pitchFamily="18" charset="0"/>
                         </a:rPr>
@@ -17165,7 +17223,7 @@
                     <a:lstStyle/>
                     <a:p>
                       <a:r>
-                        <a:rPr lang="en-US" sz="1800" b="0" dirty="0">
+                        <a:rPr lang="en-US" sz="1800" b="0" dirty="0" smtClean="0">
                           <a:latin typeface="Cambria" pitchFamily="18" charset="0"/>
                           <a:ea typeface="Cambria" pitchFamily="18" charset="0"/>
                         </a:rPr>
@@ -17179,11 +17237,6 @@
                   </a:txBody>
                   <a:tcPr/>
                 </a:tc>
-                <a:extLst>
-                  <a:ext uri="{0D108BD9-81ED-4DB2-BD59-A6C34878D82A}">
-                    <a16:rowId xmlns:a16="http://schemas.microsoft.com/office/drawing/2014/main" val="10001"/>
-                  </a:ext>
-                </a:extLst>
               </a:tr>
               <a:tr h="939800">
                 <a:tc>
@@ -17192,7 +17245,7 @@
                     <a:lstStyle/>
                     <a:p>
                       <a:r>
-                        <a:rPr lang="da-DK" sz="1800" dirty="0">
+                        <a:rPr lang="da-DK" sz="1800" dirty="0" smtClean="0">
                           <a:latin typeface="Cambria" pitchFamily="18" charset="0"/>
                           <a:ea typeface="Cambria" pitchFamily="18" charset="0"/>
                         </a:rPr>
@@ -17212,12 +17265,16 @@
                     <a:lstStyle/>
                     <a:p>
                       <a:r>
-                        <a:rPr lang="en-IN" sz="1800" dirty="0">
+                        <a:rPr lang="en-IN" sz="1800" dirty="0" smtClean="0">
                           <a:latin typeface="Cambria" pitchFamily="18" charset="0"/>
                           <a:ea typeface="Cambria" pitchFamily="18" charset="0"/>
                         </a:rPr>
                         <a:t>Fine-tuning deep learning models</a:t>
                       </a:r>
+                      <a:endParaRPr lang="en-IN" sz="1800" dirty="0">
+                        <a:latin typeface="Cambria" pitchFamily="18" charset="0"/>
+                        <a:ea typeface="Cambria" pitchFamily="18" charset="0"/>
+                      </a:endParaRPr>
                     </a:p>
                   </a:txBody>
                   <a:tcPr/>
@@ -17228,21 +17285,21 @@
                     <a:lstStyle/>
                     <a:p>
                       <a:r>
-                        <a:rPr lang="en-US" sz="1800" dirty="0">
+                        <a:rPr lang="en-US" sz="1800" dirty="0" smtClean="0">
                           <a:latin typeface="Cambria" pitchFamily="18" charset="0"/>
                           <a:ea typeface="Cambria" pitchFamily="18" charset="0"/>
                         </a:rPr>
                         <a:t>Compared multiple pre-trained CNNs (e.g., VGG, </a:t>
                       </a:r>
                       <a:r>
-                        <a:rPr lang="en-US" sz="1800" dirty="0" err="1">
+                        <a:rPr lang="en-US" sz="1800" dirty="0" err="1" smtClean="0">
                           <a:latin typeface="Cambria" pitchFamily="18" charset="0"/>
                           <a:ea typeface="Cambria" pitchFamily="18" charset="0"/>
                         </a:rPr>
                         <a:t>ResNet</a:t>
                       </a:r>
                       <a:r>
-                        <a:rPr lang="en-US" sz="1800" dirty="0">
+                        <a:rPr lang="en-US" sz="1800" dirty="0" smtClean="0">
                           <a:latin typeface="Cambria" pitchFamily="18" charset="0"/>
                           <a:ea typeface="Cambria" pitchFamily="18" charset="0"/>
                         </a:rPr>
@@ -17256,11 +17313,6 @@
                   </a:txBody>
                   <a:tcPr/>
                 </a:tc>
-                <a:extLst>
-                  <a:ext uri="{0D108BD9-81ED-4DB2-BD59-A6C34878D82A}">
-                    <a16:rowId xmlns:a16="http://schemas.microsoft.com/office/drawing/2014/main" val="10002"/>
-                  </a:ext>
-                </a:extLst>
               </a:tr>
               <a:tr h="990600">
                 <a:tc>
@@ -17269,26 +17321,30 @@
                     <a:lstStyle/>
                     <a:p>
                       <a:r>
-                        <a:rPr lang="en-IN" sz="1800" dirty="0">
+                        <a:rPr lang="en-IN" sz="1800" dirty="0" smtClean="0">
                           <a:latin typeface="Cambria" pitchFamily="18" charset="0"/>
                           <a:ea typeface="Cambria" pitchFamily="18" charset="0"/>
                         </a:rPr>
                         <a:t>[3] </a:t>
                       </a:r>
                       <a:r>
-                        <a:rPr lang="en-IN" sz="1800" dirty="0" err="1">
+                        <a:rPr lang="en-IN" sz="1800" dirty="0" err="1" smtClean="0">
                           <a:latin typeface="Cambria" pitchFamily="18" charset="0"/>
                           <a:ea typeface="Cambria" pitchFamily="18" charset="0"/>
                         </a:rPr>
                         <a:t>Ferentinos</a:t>
                       </a:r>
                       <a:r>
-                        <a:rPr lang="en-IN" sz="1800" dirty="0">
+                        <a:rPr lang="en-IN" sz="1800" dirty="0" smtClean="0">
                           <a:latin typeface="Cambria" pitchFamily="18" charset="0"/>
                           <a:ea typeface="Cambria" pitchFamily="18" charset="0"/>
                         </a:rPr>
                         <a:t>, 2018</a:t>
                       </a:r>
+                      <a:endParaRPr lang="en-IN" sz="1800" dirty="0">
+                        <a:latin typeface="Cambria" pitchFamily="18" charset="0"/>
+                        <a:ea typeface="Cambria" pitchFamily="18" charset="0"/>
+                      </a:endParaRPr>
                     </a:p>
                   </a:txBody>
                   <a:tcPr/>
@@ -17299,12 +17355,16 @@
                     <a:lstStyle/>
                     <a:p>
                       <a:r>
-                        <a:rPr lang="en-IN" sz="1800" dirty="0">
+                        <a:rPr lang="en-IN" sz="1800" dirty="0" smtClean="0">
                           <a:latin typeface="Cambria" pitchFamily="18" charset="0"/>
                           <a:ea typeface="Cambria" pitchFamily="18" charset="0"/>
                         </a:rPr>
                         <a:t>Deep CNN models for diagnosis</a:t>
                       </a:r>
+                      <a:endParaRPr lang="en-IN" sz="1800" dirty="0">
+                        <a:latin typeface="Cambria" pitchFamily="18" charset="0"/>
+                        <a:ea typeface="Cambria" pitchFamily="18" charset="0"/>
+                      </a:endParaRPr>
                     </a:p>
                   </a:txBody>
                   <a:tcPr/>
@@ -17315,7 +17375,7 @@
                     <a:lstStyle/>
                     <a:p>
                       <a:r>
-                        <a:rPr lang="en-US" sz="1800" dirty="0">
+                        <a:rPr lang="en-US" sz="1800" dirty="0" smtClean="0">
                           <a:latin typeface="Cambria" pitchFamily="18" charset="0"/>
                           <a:ea typeface="Cambria" pitchFamily="18" charset="0"/>
                         </a:rPr>
@@ -17329,11 +17389,6 @@
                   </a:txBody>
                   <a:tcPr/>
                 </a:tc>
-                <a:extLst>
-                  <a:ext uri="{0D108BD9-81ED-4DB2-BD59-A6C34878D82A}">
-                    <a16:rowId xmlns:a16="http://schemas.microsoft.com/office/drawing/2014/main" val="10003"/>
-                  </a:ext>
-                </a:extLst>
               </a:tr>
               <a:tr h="990600">
                 <a:tc>
@@ -17342,26 +17397,30 @@
                     <a:lstStyle/>
                     <a:p>
                       <a:r>
-                        <a:rPr lang="en-IN" sz="1800" dirty="0">
+                        <a:rPr lang="en-IN" sz="1800" dirty="0" smtClean="0">
                           <a:latin typeface="Cambria" pitchFamily="18" charset="0"/>
                           <a:ea typeface="Cambria" pitchFamily="18" charset="0"/>
                         </a:rPr>
                         <a:t>[4] Jiang et al., 2019 (</a:t>
                       </a:r>
                       <a:r>
-                        <a:rPr lang="en-IN" sz="1800" i="1" dirty="0">
+                        <a:rPr lang="en-IN" sz="1800" i="1" dirty="0" smtClean="0">
                           <a:latin typeface="Cambria" pitchFamily="18" charset="0"/>
                           <a:ea typeface="Cambria" pitchFamily="18" charset="0"/>
                         </a:rPr>
                         <a:t>IEEE Access</a:t>
                       </a:r>
                       <a:r>
-                        <a:rPr lang="en-IN" sz="1800" dirty="0">
+                        <a:rPr lang="en-IN" sz="1800" dirty="0" smtClean="0">
                           <a:latin typeface="Cambria" pitchFamily="18" charset="0"/>
                           <a:ea typeface="Cambria" pitchFamily="18" charset="0"/>
                         </a:rPr>
                         <a:t>)</a:t>
                       </a:r>
+                      <a:endParaRPr lang="en-IN" sz="1800" dirty="0">
+                        <a:latin typeface="Cambria" pitchFamily="18" charset="0"/>
+                        <a:ea typeface="Cambria" pitchFamily="18" charset="0"/>
+                      </a:endParaRPr>
                     </a:p>
                   </a:txBody>
                   <a:tcPr/>
@@ -17372,7 +17431,7 @@
                     <a:lstStyle/>
                     <a:p>
                       <a:r>
-                        <a:rPr lang="en-US" sz="1800" dirty="0">
+                        <a:rPr lang="en-US" sz="1800" dirty="0" smtClean="0">
                           <a:latin typeface="Cambria" pitchFamily="18" charset="0"/>
                           <a:ea typeface="Cambria" pitchFamily="18" charset="0"/>
                         </a:rPr>
@@ -17392,7 +17451,7 @@
                     <a:lstStyle/>
                     <a:p>
                       <a:r>
-                        <a:rPr lang="en-US" sz="1800" dirty="0">
+                        <a:rPr lang="en-US" sz="1800" dirty="0" smtClean="0">
                           <a:latin typeface="Cambria" pitchFamily="18" charset="0"/>
                           <a:ea typeface="Cambria" pitchFamily="18" charset="0"/>
                         </a:rPr>
@@ -17406,11 +17465,6 @@
                   </a:txBody>
                   <a:tcPr/>
                 </a:tc>
-                <a:extLst>
-                  <a:ext uri="{0D108BD9-81ED-4DB2-BD59-A6C34878D82A}">
-                    <a16:rowId xmlns:a16="http://schemas.microsoft.com/office/drawing/2014/main" val="10004"/>
-                  </a:ext>
-                </a:extLst>
               </a:tr>
             </a:tbl>
           </a:graphicData>
@@ -17476,8 +17530,19 @@
                 <a:latin typeface="Cambria" panose="02040503050406030204" pitchFamily="18" charset="0"/>
                 <a:ea typeface="Cambria" panose="02040503050406030204" pitchFamily="18" charset="0"/>
               </a:rPr>
-              <a:t>Literature Survey:</a:t>
-            </a:r>
+              <a:t>Literature </a:t>
+            </a:r>
+            <a:r>
+              <a:rPr lang="en-US" dirty="0" smtClean="0">
+                <a:latin typeface="Cambria" panose="02040503050406030204" pitchFamily="18" charset="0"/>
+                <a:ea typeface="Cambria" panose="02040503050406030204" pitchFamily="18" charset="0"/>
+              </a:rPr>
+              <a:t>Survey:</a:t>
+            </a:r>
+            <a:endParaRPr lang="en-US" dirty="0">
+              <a:latin typeface="Cambria" panose="02040503050406030204" pitchFamily="18" charset="0"/>
+              <a:ea typeface="Cambria" panose="02040503050406030204" pitchFamily="18" charset="0"/>
+            </a:endParaRPr>
           </a:p>
         </p:txBody>
       </p:sp>
@@ -17490,7 +17555,7 @@
           <p:nvPr>
             <p:extLst>
               <p:ext uri="{D42A27DB-BD31-4B8C-83A1-F6EECF244321}">
-                <p14:modId xmlns:p14="http://schemas.microsoft.com/office/powerpoint/2010/main" val="1041306807"/>
+                <p14:modId xmlns:p14="http://schemas.microsoft.com/office/powerpoint/2010/main" val="790897573"/>
               </p:ext>
             </p:extLst>
           </p:nvPr>
@@ -17504,27 +17569,9 @@
             <a:tbl>
               <a:tblPr firstRow="1" bandRow="1"/>
               <a:tblGrid>
-                <a:gridCol w="1968500">
-                  <a:extLst>
-                    <a:ext uri="{9D8B030D-6E8A-4147-A177-3AD203B41FA5}">
-                      <a16:colId xmlns:a16="http://schemas.microsoft.com/office/drawing/2014/main" val="20000"/>
-                    </a:ext>
-                  </a:extLst>
-                </a:gridCol>
-                <a:gridCol w="4356100">
-                  <a:extLst>
-                    <a:ext uri="{9D8B030D-6E8A-4147-A177-3AD203B41FA5}">
-                      <a16:colId xmlns:a16="http://schemas.microsoft.com/office/drawing/2014/main" val="20001"/>
-                    </a:ext>
-                  </a:extLst>
-                </a:gridCol>
-                <a:gridCol w="4445000">
-                  <a:extLst>
-                    <a:ext uri="{9D8B030D-6E8A-4147-A177-3AD203B41FA5}">
-                      <a16:colId xmlns:a16="http://schemas.microsoft.com/office/drawing/2014/main" val="20002"/>
-                    </a:ext>
-                  </a:extLst>
-                </a:gridCol>
+                <a:gridCol w="1968500"/>
+                <a:gridCol w="4356100"/>
+                <a:gridCol w="4445000"/>
               </a:tblGrid>
               <a:tr h="546100">
                 <a:tc>
@@ -17533,7 +17580,7 @@
                     <a:lstStyle/>
                     <a:p>
                       <a:r>
-                        <a:rPr lang="en-US" sz="2400" b="1" dirty="0">
+                        <a:rPr lang="en-US" sz="2400" b="1" dirty="0" smtClean="0">
                           <a:latin typeface="Cambria" pitchFamily="18" charset="0"/>
                           <a:ea typeface="Cambria" pitchFamily="18" charset="0"/>
                         </a:rPr>
@@ -17553,12 +17600,16 @@
                     <a:lstStyle/>
                     <a:p>
                       <a:r>
-                        <a:rPr lang="en-IN" sz="2400" b="1" dirty="0">
+                        <a:rPr lang="en-IN" sz="2400" b="1" dirty="0" smtClean="0">
                           <a:latin typeface="Cambria" pitchFamily="18" charset="0"/>
                           <a:ea typeface="Cambria" pitchFamily="18" charset="0"/>
                         </a:rPr>
                         <a:t>Author(s) &amp; Year</a:t>
                       </a:r>
+                      <a:endParaRPr lang="en-IN" sz="2400" b="1" dirty="0">
+                        <a:latin typeface="Cambria" pitchFamily="18" charset="0"/>
+                        <a:ea typeface="Cambria" pitchFamily="18" charset="0"/>
+                      </a:endParaRPr>
                     </a:p>
                   </a:txBody>
                   <a:tcPr/>
@@ -17588,21 +17639,20 @@
                         <a:defRPr/>
                       </a:pPr>
                       <a:r>
-                        <a:rPr lang="en-IN" sz="2400" b="1" dirty="0">
+                        <a:rPr lang="en-IN" sz="2400" b="1" dirty="0" smtClean="0">
                           <a:latin typeface="Cambria" pitchFamily="18" charset="0"/>
                           <a:ea typeface="Cambria" pitchFamily="18" charset="0"/>
                         </a:rPr>
                         <a:t>Approach / Method</a:t>
                       </a:r>
+                      <a:endParaRPr lang="en-IN" sz="2400" b="1" dirty="0">
+                        <a:latin typeface="Cambria" pitchFamily="18" charset="0"/>
+                        <a:ea typeface="Cambria" pitchFamily="18" charset="0"/>
+                      </a:endParaRPr>
                     </a:p>
                   </a:txBody>
                   <a:tcPr/>
                 </a:tc>
-                <a:extLst>
-                  <a:ext uri="{0D108BD9-81ED-4DB2-BD59-A6C34878D82A}">
-                    <a16:rowId xmlns:a16="http://schemas.microsoft.com/office/drawing/2014/main" val="10000"/>
-                  </a:ext>
-                </a:extLst>
               </a:tr>
               <a:tr h="268301">
                 <a:tc>
@@ -17611,21 +17661,21 @@
                     <a:lstStyle/>
                     <a:p>
                       <a:r>
-                        <a:rPr lang="en-IN" sz="1800" dirty="0">
+                        <a:rPr lang="en-IN" sz="1800" dirty="0" smtClean="0">
                           <a:latin typeface="Cambria" pitchFamily="18" charset="0"/>
                           <a:ea typeface="Cambria" pitchFamily="18" charset="0"/>
                         </a:rPr>
                         <a:t>[5] Zhang et al., 2018 (</a:t>
                       </a:r>
                       <a:r>
-                        <a:rPr lang="en-IN" sz="1800" i="1" dirty="0">
+                        <a:rPr lang="en-IN" sz="1800" i="1" dirty="0" smtClean="0">
                           <a:latin typeface="Cambria" pitchFamily="18" charset="0"/>
                           <a:ea typeface="Cambria" pitchFamily="18" charset="0"/>
                         </a:rPr>
                         <a:t>IEEE Access</a:t>
                       </a:r>
                       <a:r>
-                        <a:rPr lang="en-IN" sz="1800" dirty="0">
+                        <a:rPr lang="en-IN" sz="1800" dirty="0" smtClean="0">
                           <a:latin typeface="Cambria" pitchFamily="18" charset="0"/>
                           <a:ea typeface="Cambria" pitchFamily="18" charset="0"/>
                         </a:rPr>
@@ -17645,7 +17695,7 @@
                     <a:lstStyle/>
                     <a:p>
                       <a:r>
-                        <a:rPr lang="en-US" sz="1800" dirty="0">
+                        <a:rPr lang="en-US" sz="1800" dirty="0" smtClean="0">
                           <a:latin typeface="Cambria" pitchFamily="18" charset="0"/>
                           <a:ea typeface="Cambria" pitchFamily="18" charset="0"/>
                         </a:rPr>
@@ -17665,7 +17715,7 @@
                     <a:lstStyle/>
                     <a:p>
                       <a:r>
-                        <a:rPr lang="en-US" sz="1800" dirty="0">
+                        <a:rPr lang="en-US" sz="1800" dirty="0" smtClean="0">
                           <a:latin typeface="Cambria" pitchFamily="18" charset="0"/>
                           <a:ea typeface="Cambria" pitchFamily="18" charset="0"/>
                         </a:rPr>
@@ -17679,11 +17729,6 @@
                   </a:txBody>
                   <a:tcPr/>
                 </a:tc>
-                <a:extLst>
-                  <a:ext uri="{0D108BD9-81ED-4DB2-BD59-A6C34878D82A}">
-                    <a16:rowId xmlns:a16="http://schemas.microsoft.com/office/drawing/2014/main" val="10001"/>
-                  </a:ext>
-                </a:extLst>
               </a:tr>
               <a:tr h="939800">
                 <a:tc>
@@ -17692,35 +17737,35 @@
                     <a:lstStyle/>
                     <a:p>
                       <a:r>
-                        <a:rPr lang="fr-FR" sz="1800" dirty="0">
+                        <a:rPr lang="fr-FR" sz="1800" dirty="0" smtClean="0">
                           <a:latin typeface="Cambria" pitchFamily="18" charset="0"/>
                           <a:ea typeface="Cambria" pitchFamily="18" charset="0"/>
                         </a:rPr>
                         <a:t>[6] </a:t>
                       </a:r>
                       <a:r>
-                        <a:rPr lang="fr-FR" sz="1800" dirty="0" err="1">
+                        <a:rPr lang="fr-FR" sz="1800" dirty="0" err="1" smtClean="0">
                           <a:latin typeface="Cambria" pitchFamily="18" charset="0"/>
                           <a:ea typeface="Cambria" pitchFamily="18" charset="0"/>
                         </a:rPr>
                         <a:t>Yu</a:t>
                       </a:r>
                       <a:r>
-                        <a:rPr lang="fr-FR" sz="1800" dirty="0">
+                        <a:rPr lang="fr-FR" sz="1800" dirty="0" smtClean="0">
                           <a:latin typeface="Cambria" pitchFamily="18" charset="0"/>
                           <a:ea typeface="Cambria" pitchFamily="18" charset="0"/>
                         </a:rPr>
                         <a:t> &amp; Son, 2020 (</a:t>
                       </a:r>
                       <a:r>
-                        <a:rPr lang="fr-FR" sz="1800" i="1" dirty="0">
+                        <a:rPr lang="fr-FR" sz="1800" i="1" dirty="0" smtClean="0">
                           <a:latin typeface="Cambria" pitchFamily="18" charset="0"/>
                           <a:ea typeface="Cambria" pitchFamily="18" charset="0"/>
                         </a:rPr>
                         <a:t>IEEE Access</a:t>
                       </a:r>
                       <a:r>
-                        <a:rPr lang="fr-FR" sz="1800" dirty="0">
+                        <a:rPr lang="fr-FR" sz="1800" dirty="0" smtClean="0">
                           <a:latin typeface="Cambria" pitchFamily="18" charset="0"/>
                           <a:ea typeface="Cambria" pitchFamily="18" charset="0"/>
                         </a:rPr>
@@ -17740,75 +17785,11 @@
                     <a:lstStyle/>
                     <a:p>
                       <a:r>
-                        <a:rPr lang="en-IN" sz="1800" dirty="0">
+                        <a:rPr lang="en-IN" sz="1800" dirty="0" smtClean="0">
                           <a:latin typeface="Cambria" pitchFamily="18" charset="0"/>
                           <a:ea typeface="Cambria" pitchFamily="18" charset="0"/>
                         </a:rPr>
                         <a:t>ROI-aware CNN</a:t>
-                      </a:r>
-                    </a:p>
-                  </a:txBody>
-                  <a:tcPr/>
-                </a:tc>
-                <a:tc>
-                  <a:txBody>
-                    <a:bodyPr/>
-                    <a:lstStyle/>
-                    <a:p>
-                      <a:r>
-                        <a:rPr lang="en-US" sz="1800" dirty="0">
-                          <a:latin typeface="Cambria" pitchFamily="18" charset="0"/>
-                          <a:ea typeface="Cambria" pitchFamily="18" charset="0"/>
-                        </a:rPr>
-                        <a:t>Focused on diseased regions in images; better precision but computationally heavy.</a:t>
-                      </a:r>
-                      <a:endParaRPr lang="en-IN" sz="1800" dirty="0">
-                        <a:latin typeface="Cambria" pitchFamily="18" charset="0"/>
-                        <a:ea typeface="Cambria" pitchFamily="18" charset="0"/>
-                      </a:endParaRPr>
-                    </a:p>
-                  </a:txBody>
-                  <a:tcPr/>
-                </a:tc>
-                <a:extLst>
-                  <a:ext uri="{0D108BD9-81ED-4DB2-BD59-A6C34878D82A}">
-                    <a16:rowId xmlns:a16="http://schemas.microsoft.com/office/drawing/2014/main" val="10002"/>
-                  </a:ext>
-                </a:extLst>
-              </a:tr>
-              <a:tr h="990600">
-                <a:tc>
-                  <a:txBody>
-                    <a:bodyPr/>
-                    <a:lstStyle/>
-                    <a:p>
-                      <a:r>
-                        <a:rPr lang="da-DK" sz="1800" dirty="0">
-                          <a:latin typeface="Cambria" pitchFamily="18" charset="0"/>
-                          <a:ea typeface="Cambria" pitchFamily="18" charset="0"/>
-                        </a:rPr>
-                        <a:t>[7] </a:t>
-                      </a:r>
-                      <a:r>
-                        <a:rPr lang="nl-NL" sz="1800" dirty="0">
-                          <a:latin typeface="Cambria" panose="02040503050406030204" pitchFamily="18" charset="0"/>
-                          <a:ea typeface="Cambria" panose="02040503050406030204" pitchFamily="18" charset="0"/>
-                        </a:rPr>
-                        <a:t>Sladojevic et al., 2016 (</a:t>
-                      </a:r>
-                      <a:r>
-                        <a:rPr lang="nl-NL" sz="1800" i="1" dirty="0">
-                          <a:latin typeface="Cambria" panose="02040503050406030204" pitchFamily="18" charset="0"/>
-                          <a:ea typeface="Cambria" panose="02040503050406030204" pitchFamily="18" charset="0"/>
-                        </a:rPr>
-                        <a:t>IEEE IJCNN</a:t>
-                      </a:r>
-                      <a:r>
-                        <a:rPr lang="nl-NL" sz="1800" dirty="0">
-                          <a:latin typeface="Cambria" panose="02040503050406030204" pitchFamily="18" charset="0"/>
-                          <a:ea typeface="Cambria" panose="02040503050406030204" pitchFamily="18" charset="0"/>
-                        </a:rPr>
-                        <a:t>)</a:t>
                       </a:r>
                       <a:endParaRPr lang="en-IN" sz="1800" dirty="0">
                         <a:latin typeface="Cambria" pitchFamily="18" charset="0"/>
@@ -17824,11 +17805,33 @@
                     <a:lstStyle/>
                     <a:p>
                       <a:r>
-                        <a:rPr lang="en-US" sz="1800" dirty="0">
-                          <a:latin typeface="Cambria" panose="02040503050406030204" pitchFamily="18" charset="0"/>
-                          <a:ea typeface="Cambria" panose="02040503050406030204" pitchFamily="18" charset="0"/>
+                        <a:rPr lang="en-US" sz="1800" dirty="0" smtClean="0">
+                          <a:latin typeface="Cambria" pitchFamily="18" charset="0"/>
+                          <a:ea typeface="Cambria" pitchFamily="18" charset="0"/>
                         </a:rPr>
-                        <a:t>Applied CNNs for leaf image classification.</a:t>
+                        <a:t>Focused on diseased regions in images; better precision but computationally heavy.</a:t>
+                      </a:r>
+                      <a:endParaRPr lang="en-IN" sz="1800" dirty="0">
+                        <a:latin typeface="Cambria" pitchFamily="18" charset="0"/>
+                        <a:ea typeface="Cambria" pitchFamily="18" charset="0"/>
+                      </a:endParaRPr>
+                    </a:p>
+                  </a:txBody>
+                  <a:tcPr/>
+                </a:tc>
+              </a:tr>
+              <a:tr h="990600">
+                <a:tc>
+                  <a:txBody>
+                    <a:bodyPr/>
+                    <a:lstStyle/>
+                    <a:p>
+                      <a:r>
+                        <a:rPr lang="da-DK" sz="1800" dirty="0" smtClean="0">
+                          <a:latin typeface="Cambria" pitchFamily="18" charset="0"/>
+                          <a:ea typeface="Cambria" pitchFamily="18" charset="0"/>
+                        </a:rPr>
+                        <a:t>[7] Too et al., 2019</a:t>
                       </a:r>
                       <a:endParaRPr lang="en-IN" sz="1800" dirty="0">
                         <a:latin typeface="Cambria" pitchFamily="18" charset="0"/>
@@ -17844,59 +17847,11 @@
                     <a:lstStyle/>
                     <a:p>
                       <a:r>
-                        <a:rPr lang="en-US" sz="1800" dirty="0">
-                          <a:latin typeface="Cambria" panose="02040503050406030204" pitchFamily="18" charset="0"/>
-                          <a:ea typeface="Cambria" panose="02040503050406030204" pitchFamily="18" charset="0"/>
-                        </a:rPr>
-                        <a:t>First use of deep learning in crop disease detection, achieved good accuracy; dataset small and limited to lab conditions.</a:t>
-                      </a:r>
-                      <a:endParaRPr lang="en-IN" sz="1800" dirty="0">
-                        <a:latin typeface="Cambria" pitchFamily="18" charset="0"/>
-                        <a:ea typeface="Cambria" pitchFamily="18" charset="0"/>
-                      </a:endParaRPr>
-                    </a:p>
-                  </a:txBody>
-                  <a:tcPr/>
-                </a:tc>
-                <a:extLst>
-                  <a:ext uri="{0D108BD9-81ED-4DB2-BD59-A6C34878D82A}">
-                    <a16:rowId xmlns:a16="http://schemas.microsoft.com/office/drawing/2014/main" val="10003"/>
-                  </a:ext>
-                </a:extLst>
-              </a:tr>
-              <a:tr h="990600">
-                <a:tc>
-                  <a:txBody>
-                    <a:bodyPr/>
-                    <a:lstStyle/>
-                    <a:p>
-                      <a:r>
-                        <a:rPr lang="en-IN" sz="1800" dirty="0">
+                        <a:rPr lang="en-US" sz="1800" dirty="0" smtClean="0">
                           <a:latin typeface="Cambria" pitchFamily="18" charset="0"/>
                           <a:ea typeface="Cambria" pitchFamily="18" charset="0"/>
                         </a:rPr>
-                        <a:t>[8] </a:t>
-                      </a:r>
-                      <a:r>
-                        <a:rPr lang="en-US" sz="1800" dirty="0">
-                          <a:latin typeface="Cambria" panose="02040503050406030204" pitchFamily="18" charset="0"/>
-                          <a:ea typeface="Cambria" panose="02040503050406030204" pitchFamily="18" charset="0"/>
-                        </a:rPr>
-                        <a:t>Amara et al., 2017 (</a:t>
-                      </a:r>
-                      <a:r>
-                        <a:rPr lang="en-US" sz="1800" i="1" dirty="0">
-                          <a:latin typeface="Cambria" panose="02040503050406030204" pitchFamily="18" charset="0"/>
-                          <a:ea typeface="Cambria" panose="02040503050406030204" pitchFamily="18" charset="0"/>
-                        </a:rPr>
-                        <a:t>IEEE AIPR</a:t>
-                      </a:r>
-                      <a:r>
-                        <a:rPr lang="en-US" sz="1800" dirty="0">
-                          <a:latin typeface="Cambria" panose="02040503050406030204" pitchFamily="18" charset="0"/>
-                          <a:ea typeface="Cambria" panose="02040503050406030204" pitchFamily="18" charset="0"/>
-                        </a:rPr>
-                        <a:t>)</a:t>
+                        <a:t>Comparative DL study (repeat entry)</a:t>
                       </a:r>
                       <a:endParaRPr lang="en-IN" sz="1800" dirty="0">
                         <a:latin typeface="Cambria" pitchFamily="18" charset="0"/>
@@ -17912,11 +17867,61 @@
                     <a:lstStyle/>
                     <a:p>
                       <a:r>
-                        <a:rPr lang="en-US" sz="1800" dirty="0">
-                          <a:latin typeface="Cambria" panose="02040503050406030204" pitchFamily="18" charset="0"/>
-                          <a:ea typeface="Cambria" panose="02040503050406030204" pitchFamily="18" charset="0"/>
+                        <a:rPr lang="en-US" sz="1800" dirty="0" smtClean="0">
+                          <a:latin typeface="Cambria" pitchFamily="18" charset="0"/>
+                          <a:ea typeface="Cambria" pitchFamily="18" charset="0"/>
                         </a:rPr>
-                        <a:t>CNN-based banana leaf disease classification.</a:t>
+                        <a:t>Reconfirmed CNN superiority; highlighted challenges of </a:t>
+                      </a:r>
+                      <a:r>
+                        <a:rPr lang="en-US" sz="1800" dirty="0" err="1" smtClean="0">
+                          <a:latin typeface="Cambria" pitchFamily="18" charset="0"/>
+                          <a:ea typeface="Cambria" pitchFamily="18" charset="0"/>
+                        </a:rPr>
+                        <a:t>overfitting</a:t>
+                      </a:r>
+                      <a:r>
+                        <a:rPr lang="en-US" sz="1800" dirty="0" smtClean="0">
+                          <a:latin typeface="Cambria" pitchFamily="18" charset="0"/>
+                          <a:ea typeface="Cambria" pitchFamily="18" charset="0"/>
+                        </a:rPr>
+                        <a:t>.</a:t>
+                      </a:r>
+                      <a:endParaRPr lang="en-IN" sz="1800" dirty="0">
+                        <a:latin typeface="Cambria" pitchFamily="18" charset="0"/>
+                        <a:ea typeface="Cambria" pitchFamily="18" charset="0"/>
+                      </a:endParaRPr>
+                    </a:p>
+                  </a:txBody>
+                  <a:tcPr/>
+                </a:tc>
+              </a:tr>
+              <a:tr h="990600">
+                <a:tc>
+                  <a:txBody>
+                    <a:bodyPr/>
+                    <a:lstStyle/>
+                    <a:p>
+                      <a:r>
+                        <a:rPr lang="en-IN" sz="1800" dirty="0" smtClean="0">
+                          <a:latin typeface="Cambria" pitchFamily="18" charset="0"/>
+                          <a:ea typeface="Cambria" pitchFamily="18" charset="0"/>
+                        </a:rPr>
+                        <a:t>[8] </a:t>
+                      </a:r>
+                      <a:r>
+                        <a:rPr lang="en-IN" sz="1800" dirty="0" err="1" smtClean="0">
+                          <a:latin typeface="Cambria" pitchFamily="18" charset="0"/>
+                          <a:ea typeface="Cambria" pitchFamily="18" charset="0"/>
+                        </a:rPr>
+                        <a:t>Ferentinos</a:t>
+                      </a:r>
+                      <a:r>
+                        <a:rPr lang="en-IN" sz="1800" dirty="0" smtClean="0">
+                          <a:latin typeface="Cambria" pitchFamily="18" charset="0"/>
+                          <a:ea typeface="Cambria" pitchFamily="18" charset="0"/>
+                        </a:rPr>
+                        <a:t>, 2018 (repeat entry)</a:t>
                       </a:r>
                       <a:endParaRPr lang="en-IN" sz="1800" dirty="0">
                         <a:latin typeface="Cambria" pitchFamily="18" charset="0"/>
@@ -17932,11 +17937,11 @@
                     <a:lstStyle/>
                     <a:p>
                       <a:r>
-                        <a:rPr lang="en-US" sz="1800" dirty="0">
-                          <a:latin typeface="Cambria" panose="02040503050406030204" pitchFamily="18" charset="0"/>
-                          <a:ea typeface="Cambria" panose="02040503050406030204" pitchFamily="18" charset="0"/>
+                        <a:rPr lang="en-IN" sz="1800" dirty="0" smtClean="0">
+                          <a:latin typeface="Cambria" pitchFamily="18" charset="0"/>
+                          <a:ea typeface="Cambria" pitchFamily="18" charset="0"/>
                         </a:rPr>
-                        <a:t>Showed strong accuracy for banana diseases; limitation is crop-specific model and need for larger datasets.</a:t>
+                        <a:t>CNN-based plant disease models</a:t>
                       </a:r>
                       <a:endParaRPr lang="en-IN" sz="1800" dirty="0">
                         <a:latin typeface="Cambria" pitchFamily="18" charset="0"/>
@@ -17946,11 +17951,26 @@
                   </a:txBody>
                   <a:tcPr/>
                 </a:tc>
-                <a:extLst>
-                  <a:ext uri="{0D108BD9-81ED-4DB2-BD59-A6C34878D82A}">
-                    <a16:rowId xmlns:a16="http://schemas.microsoft.com/office/drawing/2014/main" val="10004"/>
-                  </a:ext>
-                </a:extLst>
+                <a:tc>
+                  <a:txBody>
+                    <a:bodyPr/>
+                    <a:lstStyle/>
+                    <a:p>
+                      <a:r>
+                        <a:rPr lang="en-US" sz="1800" dirty="0" smtClean="0">
+                          <a:latin typeface="Cambria" pitchFamily="18" charset="0"/>
+                          <a:ea typeface="Cambria" pitchFamily="18" charset="0"/>
+                        </a:rPr>
+                        <a:t>Demonstrated scalability to multiple crops; limited dataset diversity.</a:t>
+                      </a:r>
+                      <a:endParaRPr lang="en-IN" sz="1800" dirty="0">
+                        <a:latin typeface="Cambria" pitchFamily="18" charset="0"/>
+                        <a:ea typeface="Cambria" pitchFamily="18" charset="0"/>
+                      </a:endParaRPr>
+                    </a:p>
+                  </a:txBody>
+                  <a:tcPr/>
+                </a:tc>
               </a:tr>
             </a:tbl>
           </a:graphicData>
@@ -18016,8 +18036,19 @@
                 <a:latin typeface="Cambria" panose="02040503050406030204" pitchFamily="18" charset="0"/>
                 <a:ea typeface="Cambria" panose="02040503050406030204" pitchFamily="18" charset="0"/>
               </a:rPr>
-              <a:t>Literature Survey:</a:t>
-            </a:r>
+              <a:t>Literature </a:t>
+            </a:r>
+            <a:r>
+              <a:rPr lang="en-US" dirty="0" smtClean="0">
+                <a:latin typeface="Cambria" panose="02040503050406030204" pitchFamily="18" charset="0"/>
+                <a:ea typeface="Cambria" panose="02040503050406030204" pitchFamily="18" charset="0"/>
+              </a:rPr>
+              <a:t>Survey:</a:t>
+            </a:r>
+            <a:endParaRPr lang="en-US" dirty="0">
+              <a:latin typeface="Cambria" panose="02040503050406030204" pitchFamily="18" charset="0"/>
+              <a:ea typeface="Cambria" panose="02040503050406030204" pitchFamily="18" charset="0"/>
+            </a:endParaRPr>
           </a:p>
         </p:txBody>
       </p:sp>
@@ -18044,27 +18075,9 @@
             <a:tbl>
               <a:tblPr firstRow="1" bandRow="1"/>
               <a:tblGrid>
-                <a:gridCol w="1968500">
-                  <a:extLst>
-                    <a:ext uri="{9D8B030D-6E8A-4147-A177-3AD203B41FA5}">
-                      <a16:colId xmlns:a16="http://schemas.microsoft.com/office/drawing/2014/main" val="20000"/>
-                    </a:ext>
-                  </a:extLst>
-                </a:gridCol>
-                <a:gridCol w="4356100">
-                  <a:extLst>
-                    <a:ext uri="{9D8B030D-6E8A-4147-A177-3AD203B41FA5}">
-                      <a16:colId xmlns:a16="http://schemas.microsoft.com/office/drawing/2014/main" val="20001"/>
-                    </a:ext>
-                  </a:extLst>
-                </a:gridCol>
-                <a:gridCol w="4445000">
-                  <a:extLst>
-                    <a:ext uri="{9D8B030D-6E8A-4147-A177-3AD203B41FA5}">
-                      <a16:colId xmlns:a16="http://schemas.microsoft.com/office/drawing/2014/main" val="20002"/>
-                    </a:ext>
-                  </a:extLst>
-                </a:gridCol>
+                <a:gridCol w="1968500"/>
+                <a:gridCol w="4356100"/>
+                <a:gridCol w="4445000"/>
               </a:tblGrid>
               <a:tr h="546100">
                 <a:tc>
@@ -18073,7 +18086,7 @@
                     <a:lstStyle/>
                     <a:p>
                       <a:r>
-                        <a:rPr lang="en-US" sz="2400" b="1" dirty="0">
+                        <a:rPr lang="en-US" sz="2400" b="1" dirty="0" smtClean="0">
                           <a:latin typeface="Cambria" pitchFamily="18" charset="0"/>
                           <a:ea typeface="Cambria" pitchFamily="18" charset="0"/>
                         </a:rPr>
@@ -18093,12 +18106,16 @@
                     <a:lstStyle/>
                     <a:p>
                       <a:r>
-                        <a:rPr lang="en-IN" sz="2400" b="1" dirty="0">
+                        <a:rPr lang="en-IN" sz="2400" b="1" dirty="0" smtClean="0">
                           <a:latin typeface="Cambria" pitchFamily="18" charset="0"/>
                           <a:ea typeface="Cambria" pitchFamily="18" charset="0"/>
                         </a:rPr>
                         <a:t>Author(s) &amp; Year</a:t>
                       </a:r>
+                      <a:endParaRPr lang="en-IN" sz="2400" b="1" dirty="0">
+                        <a:latin typeface="Cambria" pitchFamily="18" charset="0"/>
+                        <a:ea typeface="Cambria" pitchFamily="18" charset="0"/>
+                      </a:endParaRPr>
                     </a:p>
                   </a:txBody>
                   <a:tcPr/>
@@ -18128,21 +18145,20 @@
                         <a:defRPr/>
                       </a:pPr>
                       <a:r>
-                        <a:rPr lang="en-IN" sz="2400" b="1" dirty="0">
+                        <a:rPr lang="en-IN" sz="2400" b="1" dirty="0" smtClean="0">
                           <a:latin typeface="Cambria" pitchFamily="18" charset="0"/>
                           <a:ea typeface="Cambria" pitchFamily="18" charset="0"/>
                         </a:rPr>
                         <a:t>Approach / Method</a:t>
                       </a:r>
+                      <a:endParaRPr lang="en-IN" sz="2400" b="1" dirty="0">
+                        <a:latin typeface="Cambria" pitchFamily="18" charset="0"/>
+                        <a:ea typeface="Cambria" pitchFamily="18" charset="0"/>
+                      </a:endParaRPr>
                     </a:p>
                   </a:txBody>
                   <a:tcPr/>
                 </a:tc>
-                <a:extLst>
-                  <a:ext uri="{0D108BD9-81ED-4DB2-BD59-A6C34878D82A}">
-                    <a16:rowId xmlns:a16="http://schemas.microsoft.com/office/drawing/2014/main" val="10000"/>
-                  </a:ext>
-                </a:extLst>
               </a:tr>
               <a:tr h="268301">
                 <a:tc>
@@ -18151,21 +18167,21 @@
                     <a:lstStyle/>
                     <a:p>
                       <a:r>
-                        <a:rPr lang="it-IT" sz="1800" dirty="0">
+                        <a:rPr lang="it-IT" sz="1800" dirty="0" smtClean="0">
                           <a:latin typeface="Cambria" pitchFamily="18" charset="0"/>
                           <a:ea typeface="Cambria" pitchFamily="18" charset="0"/>
                         </a:rPr>
                         <a:t>[9] Li et al., 2021 (</a:t>
                       </a:r>
                       <a:r>
-                        <a:rPr lang="it-IT" sz="1800" i="1" dirty="0">
+                        <a:rPr lang="it-IT" sz="1800" i="1" dirty="0" smtClean="0">
                           <a:latin typeface="Cambria" pitchFamily="18" charset="0"/>
                           <a:ea typeface="Cambria" pitchFamily="18" charset="0"/>
                         </a:rPr>
                         <a:t>IEEE Access</a:t>
                       </a:r>
                       <a:r>
-                        <a:rPr lang="it-IT" sz="1800" dirty="0">
+                        <a:rPr lang="it-IT" sz="1800" dirty="0" smtClean="0">
                           <a:latin typeface="Cambria" pitchFamily="18" charset="0"/>
                           <a:ea typeface="Cambria" pitchFamily="18" charset="0"/>
                         </a:rPr>
@@ -18185,7 +18201,7 @@
                     <a:lstStyle/>
                     <a:p>
                       <a:r>
-                        <a:rPr lang="en-US" sz="1800" dirty="0">
+                        <a:rPr lang="en-US" sz="1800" dirty="0" smtClean="0">
                           <a:latin typeface="Cambria" pitchFamily="18" charset="0"/>
                           <a:ea typeface="Cambria" pitchFamily="18" charset="0"/>
                         </a:rPr>
@@ -18205,7 +18221,7 @@
                     <a:lstStyle/>
                     <a:p>
                       <a:r>
-                        <a:rPr lang="en-US" sz="1800" dirty="0">
+                        <a:rPr lang="en-US" sz="1800" dirty="0" smtClean="0">
                           <a:latin typeface="Cambria" pitchFamily="18" charset="0"/>
                           <a:ea typeface="Cambria" pitchFamily="18" charset="0"/>
                         </a:rPr>
@@ -18219,11 +18235,6 @@
                   </a:txBody>
                   <a:tcPr/>
                 </a:tc>
-                <a:extLst>
-                  <a:ext uri="{0D108BD9-81ED-4DB2-BD59-A6C34878D82A}">
-                    <a16:rowId xmlns:a16="http://schemas.microsoft.com/office/drawing/2014/main" val="10001"/>
-                  </a:ext>
-                </a:extLst>
               </a:tr>
               <a:tr h="939800">
                 <a:tc>
@@ -18232,26 +18243,30 @@
                     <a:lstStyle/>
                     <a:p>
                       <a:r>
-                        <a:rPr lang="en-IN" sz="1800" dirty="0">
+                        <a:rPr lang="en-IN" sz="1800" dirty="0" smtClean="0">
                           <a:latin typeface="Cambria" pitchFamily="18" charset="0"/>
                           <a:ea typeface="Cambria" pitchFamily="18" charset="0"/>
                         </a:rPr>
                         <a:t>[10] Chen et al., 2021 (</a:t>
                       </a:r>
                       <a:r>
-                        <a:rPr lang="en-IN" sz="1800" i="1" dirty="0">
+                        <a:rPr lang="en-IN" sz="1800" i="1" dirty="0" smtClean="0">
                           <a:latin typeface="Cambria" pitchFamily="18" charset="0"/>
                           <a:ea typeface="Cambria" pitchFamily="18" charset="0"/>
                         </a:rPr>
                         <a:t>IEEE Access</a:t>
                       </a:r>
                       <a:r>
-                        <a:rPr lang="en-IN" sz="1800" dirty="0">
+                        <a:rPr lang="en-IN" sz="1800" dirty="0" smtClean="0">
                           <a:latin typeface="Cambria" pitchFamily="18" charset="0"/>
                           <a:ea typeface="Cambria" pitchFamily="18" charset="0"/>
                         </a:rPr>
                         <a:t>)</a:t>
                       </a:r>
+                      <a:endParaRPr lang="en-IN" sz="1800" dirty="0">
+                        <a:latin typeface="Cambria" pitchFamily="18" charset="0"/>
+                        <a:ea typeface="Cambria" pitchFamily="18" charset="0"/>
+                      </a:endParaRPr>
                     </a:p>
                   </a:txBody>
                   <a:tcPr/>
@@ -18262,7 +18277,7 @@
                     <a:lstStyle/>
                     <a:p>
                       <a:r>
-                        <a:rPr lang="en-US" sz="1800" dirty="0">
+                        <a:rPr lang="en-US" sz="1800" dirty="0" smtClean="0">
                           <a:latin typeface="Cambria" pitchFamily="18" charset="0"/>
                           <a:ea typeface="Cambria" pitchFamily="18" charset="0"/>
                         </a:rPr>
@@ -18282,7 +18297,7 @@
                     <a:lstStyle/>
                     <a:p>
                       <a:r>
-                        <a:rPr lang="en-US" sz="1800" dirty="0">
+                        <a:rPr lang="en-US" sz="1800" dirty="0" smtClean="0">
                           <a:latin typeface="Cambria" pitchFamily="18" charset="0"/>
                           <a:ea typeface="Cambria" pitchFamily="18" charset="0"/>
                         </a:rPr>
@@ -18296,11 +18311,6 @@
                   </a:txBody>
                   <a:tcPr/>
                 </a:tc>
-                <a:extLst>
-                  <a:ext uri="{0D108BD9-81ED-4DB2-BD59-A6C34878D82A}">
-                    <a16:rowId xmlns:a16="http://schemas.microsoft.com/office/drawing/2014/main" val="10002"/>
-                  </a:ext>
-                </a:extLst>
               </a:tr>
             </a:tbl>
           </a:graphicData>
@@ -18371,12 +18381,16 @@
               </a:lnSpc>
             </a:pPr>
             <a:r>
-              <a:rPr lang="en-US" dirty="0">
+              <a:rPr lang="en-US" dirty="0" smtClean="0">
                 <a:latin typeface="Cambria" panose="02040503050406030204" pitchFamily="18" charset="0"/>
                 <a:ea typeface="Cambria" panose="02040503050406030204" pitchFamily="18" charset="0"/>
               </a:rPr>
               <a:t>Objectives</a:t>
             </a:r>
+            <a:endParaRPr lang="en-US" dirty="0">
+              <a:latin typeface="Cambria" panose="02040503050406030204" pitchFamily="18" charset="0"/>
+              <a:ea typeface="Cambria" panose="02040503050406030204" pitchFamily="18" charset="0"/>
+            </a:endParaRPr>
           </a:p>
         </p:txBody>
       </p:sp>
@@ -18527,7 +18541,7 @@
           <p:cNvPr id="2" name="Rectangle 1">
             <a:extLst>
               <a:ext uri="{FF2B5EF4-FFF2-40B4-BE49-F238E27FC236}">
-                <a16:creationId xmlns:a16="http://schemas.microsoft.com/office/drawing/2014/main" id="{2BDDC244-09DE-B811-4C9C-4263F1832548}"/>
+                <a16:creationId xmlns="" xmlns:a16="http://schemas.microsoft.com/office/drawing/2014/main" id="{2BDDC244-09DE-B811-4C9C-4263F1832548}"/>
               </a:ext>
             </a:extLst>
           </p:cNvPr>
@@ -18711,8 +18725,19 @@
                 <a:latin typeface="Cambria" panose="02040503050406030204" pitchFamily="18" charset="0"/>
                 <a:ea typeface="Cambria" panose="02040503050406030204" pitchFamily="18" charset="0"/>
               </a:rPr>
-              <a:t>Existing Methods and Drawbacks</a:t>
-            </a:r>
+              <a:t>Existing Methods and </a:t>
+            </a:r>
+            <a:r>
+              <a:rPr lang="en-US" dirty="0" smtClean="0">
+                <a:latin typeface="Cambria" panose="02040503050406030204" pitchFamily="18" charset="0"/>
+                <a:ea typeface="Cambria" panose="02040503050406030204" pitchFamily="18" charset="0"/>
+              </a:rPr>
+              <a:t>Drawbacks</a:t>
+            </a:r>
+            <a:endParaRPr lang="en-US" dirty="0">
+              <a:latin typeface="Cambria" panose="02040503050406030204" pitchFamily="18" charset="0"/>
+              <a:ea typeface="Cambria" panose="02040503050406030204" pitchFamily="18" charset="0"/>
+            </a:endParaRPr>
           </a:p>
         </p:txBody>
       </p:sp>
@@ -18771,16 +18796,21 @@
                 <a:latin typeface="Cambria" pitchFamily="18" charset="0"/>
                 <a:ea typeface="Cambria" pitchFamily="18" charset="0"/>
               </a:rPr>
-              <a:t>Manual inspection - slow, costly, and error-prone.</a:t>
-            </a:r>
-          </a:p>
-          <a:p>
+              <a:t>Manual inspection </a:t>
+            </a:r>
+            <a:r>
+              <a:rPr lang="en-US" dirty="0" smtClean="0">
+                <a:latin typeface="Cambria" pitchFamily="18" charset="0"/>
+                <a:ea typeface="Cambria" pitchFamily="18" charset="0"/>
+              </a:rPr>
+              <a:t>- </a:t>
+            </a:r>
             <a:r>
               <a:rPr lang="en-US" dirty="0">
                 <a:latin typeface="Cambria" pitchFamily="18" charset="0"/>
                 <a:ea typeface="Cambria" pitchFamily="18" charset="0"/>
               </a:rPr>
-              <a:t>ML models with handcrafted features - poor scalability.</a:t>
+              <a:t>slow, costly, and error-prone.</a:t>
             </a:r>
           </a:p>
           <a:p>
@@ -18789,7 +18819,44 @@
                 <a:latin typeface="Cambria" pitchFamily="18" charset="0"/>
                 <a:ea typeface="Cambria" pitchFamily="18" charset="0"/>
               </a:rPr>
-              <a:t>Mobile apps - limited to few crops.</a:t>
+              <a:t>ML models with handcrafted features </a:t>
+            </a:r>
+            <a:r>
+              <a:rPr lang="en-US" dirty="0" smtClean="0">
+                <a:latin typeface="Cambria" pitchFamily="18" charset="0"/>
+                <a:ea typeface="Cambria" pitchFamily="18" charset="0"/>
+              </a:rPr>
+              <a:t>- </a:t>
+            </a:r>
+            <a:r>
+              <a:rPr lang="en-US" dirty="0">
+                <a:latin typeface="Cambria" pitchFamily="18" charset="0"/>
+                <a:ea typeface="Cambria" pitchFamily="18" charset="0"/>
+              </a:rPr>
+              <a:t>poor scalability.</a:t>
+            </a:r>
+          </a:p>
+          <a:p>
+            <a:r>
+              <a:rPr lang="en-US" dirty="0">
+                <a:latin typeface="Cambria" pitchFamily="18" charset="0"/>
+                <a:ea typeface="Cambria" pitchFamily="18" charset="0"/>
+              </a:rPr>
+              <a:t>Mobile apps </a:t>
+            </a:r>
+            <a:r>
+              <a:rPr lang="en-US" dirty="0" smtClean="0">
+                <a:latin typeface="Cambria" pitchFamily="18" charset="0"/>
+                <a:ea typeface="Cambria" pitchFamily="18" charset="0"/>
+              </a:rPr>
+              <a:t>- </a:t>
+            </a:r>
+            <a:r>
+              <a:rPr lang="en-US" dirty="0">
+                <a:latin typeface="Cambria" pitchFamily="18" charset="0"/>
+                <a:ea typeface="Cambria" pitchFamily="18" charset="0"/>
+              </a:rPr>
+              <a:t>limited to few crops.</a:t>
             </a:r>
           </a:p>
           <a:p>
@@ -18949,7 +19016,35 @@
                 <a:latin typeface="Cambria" pitchFamily="18" charset="0"/>
                 <a:ea typeface="Cambria" pitchFamily="18" charset="0"/>
               </a:rPr>
-              <a:t>CNN Model (TensorFlow)- classify disease.</a:t>
+              <a:t>CNN Model (</a:t>
+            </a:r>
+            <a:r>
+              <a:rPr lang="en-IN" dirty="0" err="1">
+                <a:latin typeface="Cambria" pitchFamily="18" charset="0"/>
+                <a:ea typeface="Cambria" pitchFamily="18" charset="0"/>
+              </a:rPr>
+              <a:t>TensorFlow</a:t>
+            </a:r>
+            <a:r>
+              <a:rPr lang="en-IN" dirty="0">
+                <a:latin typeface="Cambria" pitchFamily="18" charset="0"/>
+                <a:ea typeface="Cambria" pitchFamily="18" charset="0"/>
+              </a:rPr>
+              <a:t>/</a:t>
+            </a:r>
+            <a:r>
+              <a:rPr lang="en-IN" dirty="0" err="1">
+                <a:latin typeface="Cambria" pitchFamily="18" charset="0"/>
+                <a:ea typeface="Cambria" pitchFamily="18" charset="0"/>
+              </a:rPr>
+              <a:t>PyTorch</a:t>
+            </a:r>
+            <a:r>
+              <a:rPr lang="en-IN" dirty="0">
+                <a:latin typeface="Cambria" pitchFamily="18" charset="0"/>
+                <a:ea typeface="Cambria" pitchFamily="18" charset="0"/>
+              </a:rPr>
+              <a:t>) → classify disease.</a:t>
             </a:r>
           </a:p>
           <a:p>
@@ -18980,17 +19075,70 @@
                 <a:latin typeface="Cambria" pitchFamily="18" charset="0"/>
                 <a:ea typeface="Cambria" pitchFamily="18" charset="0"/>
               </a:rPr>
-              <a:t>Technology: Python, TensorFlow, OpenCV .</a:t>
-            </a:r>
-          </a:p>
-          <a:p>
+              <a:t>Technology: Python, </a:t>
+            </a:r>
+            <a:r>
+              <a:rPr lang="en-IN" dirty="0" err="1">
+                <a:latin typeface="Cambria" pitchFamily="18" charset="0"/>
+                <a:ea typeface="Cambria" pitchFamily="18" charset="0"/>
+              </a:rPr>
+              <a:t>TensorFlow</a:t>
+            </a:r>
             <a:r>
               <a:rPr lang="en-IN" dirty="0">
                 <a:latin typeface="Cambria" pitchFamily="18" charset="0"/>
                 <a:ea typeface="Cambria" pitchFamily="18" charset="0"/>
               </a:rPr>
-              <a:t>Cost: Low.</a:t>
-            </a:r>
+              <a:t>, </a:t>
+            </a:r>
+            <a:r>
+              <a:rPr lang="en-IN" dirty="0" err="1">
+                <a:latin typeface="Cambria" pitchFamily="18" charset="0"/>
+                <a:ea typeface="Cambria" pitchFamily="18" charset="0"/>
+              </a:rPr>
+              <a:t>OpenCV</a:t>
+            </a:r>
+            <a:r>
+              <a:rPr lang="en-IN" dirty="0">
+                <a:latin typeface="Cambria" pitchFamily="18" charset="0"/>
+                <a:ea typeface="Cambria" pitchFamily="18" charset="0"/>
+              </a:rPr>
+              <a:t> (free &amp; open-source).</a:t>
+            </a:r>
+          </a:p>
+          <a:p>
+            <a:r>
+              <a:rPr lang="en-IN" dirty="0">
+                <a:latin typeface="Cambria" pitchFamily="18" charset="0"/>
+                <a:ea typeface="Cambria" pitchFamily="18" charset="0"/>
+              </a:rPr>
+              <a:t>Cost: Low (free datasets, Google </a:t>
+            </a:r>
+            <a:r>
+              <a:rPr lang="en-IN" dirty="0" err="1">
+                <a:latin typeface="Cambria" pitchFamily="18" charset="0"/>
+                <a:ea typeface="Cambria" pitchFamily="18" charset="0"/>
+              </a:rPr>
+              <a:t>Colab</a:t>
+            </a:r>
+            <a:r>
+              <a:rPr lang="en-IN" dirty="0">
+                <a:latin typeface="Cambria" pitchFamily="18" charset="0"/>
+                <a:ea typeface="Cambria" pitchFamily="18" charset="0"/>
+              </a:rPr>
+              <a:t> GPU</a:t>
+            </a:r>
+            <a:r>
+              <a:rPr lang="en-IN" dirty="0" smtClean="0">
+                <a:latin typeface="Cambria" pitchFamily="18" charset="0"/>
+                <a:ea typeface="Cambria" pitchFamily="18" charset="0"/>
+              </a:rPr>
+              <a:t>).</a:t>
+            </a:r>
+            <a:endParaRPr lang="en-IN" dirty="0">
+              <a:latin typeface="Cambria" pitchFamily="18" charset="0"/>
+              <a:ea typeface="Cambria" pitchFamily="18" charset="0"/>
+            </a:endParaRPr>
           </a:p>
           <a:p>
             <a:r>
